--- a/help/data-sheets/assets/DMeStandardSupportDatasheet_2022.pptx
+++ b/help/data-sheets/assets/DMeStandardSupportDatasheet_2022.pptx
@@ -117,7 +117,7 @@
             <a:srgbClr val="A4A3A4"/>
           </p15:clr>
         </p15:guide>
-        <p15:guide id="2" pos="2160">
+        <p15:guide id="2" pos="2160" userDrawn="1">
           <p15:clr>
             <a:srgbClr val="A4A3A4"/>
           </p15:clr>
@@ -553,7 +553,7 @@
           <a:p>
             <a:fld id="{A438815C-EDE5-F947-A55F-7634403F36C4}" type="datetimeFigureOut">
               <a:rPr lang="en-US" smtClean="0"/>
-              <a:t>3/3/2022</a:t>
+              <a:t>3/24/22</a:t>
             </a:fld>
             <a:endParaRPr lang="en-US" dirty="0"/>
           </a:p>
@@ -1176,7 +1176,7 @@
           <a:p>
             <a:fld id="{1D8BD707-D9CF-40AE-B4C6-C98DA3205C09}" type="datetimeFigureOut">
               <a:rPr lang="en-US"/>
-              <a:t>3/3/2022</a:t>
+              <a:t>3/24/22</a:t>
             </a:fld>
             <a:endParaRPr lang="en-US" dirty="0"/>
           </a:p>
@@ -1331,7 +1331,7 @@
           <a:p>
             <a:fld id="{1D8BD707-D9CF-40AE-B4C6-C98DA3205C09}" type="datetimeFigureOut">
               <a:rPr lang="en-US"/>
-              <a:t>3/3/2022</a:t>
+              <a:t>3/24/22</a:t>
             </a:fld>
             <a:endParaRPr lang="en-US" dirty="0"/>
           </a:p>
@@ -1634,7 +1634,7 @@
           <a:p>
             <a:fld id="{1D8BD707-D9CF-40AE-B4C6-C98DA3205C09}" type="datetimeFigureOut">
               <a:rPr lang="en-US"/>
-              <a:t>3/3/2022</a:t>
+              <a:t>3/24/22</a:t>
             </a:fld>
             <a:endParaRPr lang="en-US" dirty="0"/>
           </a:p>
@@ -1881,7 +1881,7 @@
               </a:spcBef>
             </a:pPr>
             <a:r>
-              <a:rPr sz="1400" b="1" u="heavy" spc="10" dirty="0">
+              <a:rPr lang="ja-jp" sz="1400" b="1" u="heavy" spc="10" dirty="0">
                 <a:solidFill>
                   <a:srgbClr val="020302"/>
                 </a:solidFill>
@@ -1893,10 +1893,10 @@
                 <a:latin typeface="Adobe Clean"/>
                 <a:cs typeface="Adobe Clean"/>
               </a:rPr>
-              <a:t>Service </a:t>
-            </a:r>
-            <a:r>
-              <a:rPr lang="en-US" sz="1400" b="1" u="heavy" spc="-10" dirty="0">
+              <a:t>서비스 </a:t>
+            </a:r>
+            <a:r>
+              <a:rPr lang="ja-jp" sz="1400" b="1" u="heavy" spc="-10" dirty="0">
                 <a:solidFill>
                   <a:srgbClr val="020302"/>
                 </a:solidFill>
@@ -1908,10 +1908,10 @@
                 <a:latin typeface="Adobe Clean"/>
                 <a:cs typeface="Adobe Clean"/>
               </a:rPr>
-              <a:t>Level </a:t>
-            </a:r>
-            <a:r>
-              <a:rPr lang="en-US" sz="1400" b="1" u="heavy" spc="-45" dirty="0">
+              <a:t>수준 </a:t>
+            </a:r>
+            <a:r>
+              <a:rPr lang="ja-jp" sz="1400" b="1" u="heavy" spc="-45" dirty="0">
                 <a:solidFill>
                   <a:srgbClr val="020302"/>
                 </a:solidFill>
@@ -1923,10 +1923,10 @@
                 <a:latin typeface="Adobe Clean"/>
                 <a:cs typeface="Adobe Clean"/>
               </a:rPr>
-              <a:t>Targets: </a:t>
-            </a:r>
-            <a:r>
-              <a:rPr lang="en-US" sz="1400" b="1" u="heavy" spc="-10" dirty="0">
+              <a:t>목표: </a:t>
+            </a:r>
+            <a:r>
+              <a:rPr lang="ja-jp" sz="1400" b="1" u="heavy" spc="-10" dirty="0">
                 <a:solidFill>
                   <a:srgbClr val="020302"/>
                 </a:solidFill>
@@ -1938,10 +1938,10 @@
                 <a:latin typeface="Adobe Clean"/>
                 <a:cs typeface="Adobe Clean"/>
               </a:rPr>
-              <a:t>Initial</a:t>
-            </a:r>
-            <a:r>
-              <a:rPr lang="en-US" sz="1400" b="1" u="heavy" spc="-140" dirty="0">
+              <a:t>초기</a:t>
+            </a:r>
+            <a:r>
+              <a:rPr lang="ja-jp" sz="1400" b="1" u="heavy" spc="-140" dirty="0">
                 <a:solidFill>
                   <a:srgbClr val="020302"/>
                 </a:solidFill>
@@ -1956,7 +1956,7 @@
               <a:t> </a:t>
             </a:r>
             <a:r>
-              <a:rPr lang="en-US" sz="1400" b="1" u="heavy" spc="-15" dirty="0">
+              <a:rPr lang="ja-jp" sz="1400" b="1" u="heavy" spc="-15" dirty="0">
                 <a:solidFill>
                   <a:srgbClr val="020302"/>
                 </a:solidFill>
@@ -1968,7 +1968,7 @@
                 <a:latin typeface="Adobe Clean"/>
                 <a:cs typeface="Adobe Clean"/>
               </a:rPr>
-              <a:t>Response</a:t>
+              <a:t>대응</a:t>
             </a:r>
             <a:endParaRPr sz="1400" dirty="0">
               <a:latin typeface="Adobe Clean"/>
@@ -2015,7 +2015,7 @@
         <p:spPr>
           <a:xfrm>
             <a:off x="102031" y="580032"/>
-            <a:ext cx="6134100" cy="1127232"/>
+            <a:ext cx="5993969" cy="1127232"/>
           </a:xfrm>
           <a:prstGeom prst="rect">
             <a:avLst/>
@@ -2036,21 +2036,21 @@
               </a:spcBef>
             </a:pPr>
             <a:r>
-              <a:rPr lang="en-US" sz="1200" b="1" dirty="0">
+              <a:rPr lang="ja-jp" sz="1200" b="1" dirty="0">
                 <a:solidFill>
                   <a:schemeClr val="bg1"/>
                 </a:solidFill>
               </a:rPr>
-              <a:t>Standard</a:t>
-            </a:r>
-            <a:r>
-              <a:rPr lang="en-US" sz="1200" dirty="0">
+              <a:t>표준</a:t>
+            </a:r>
+            <a:r>
+              <a:rPr lang="ja-jp" sz="1200" dirty="0">
                 <a:solidFill>
                   <a:schemeClr val="bg1"/>
                 </a:solidFill>
                 <a:latin typeface="Adobe Clean Light" panose="020B0303020404020204" pitchFamily="34" charset="0"/>
               </a:rPr>
-              <a:t> | Business | Enterprise | Elite</a:t>
+              <a:t> | 비즈니스 | 엔터프라이즈 | 엘리트</a:t>
             </a:r>
             <a:endParaRPr lang="en-US" sz="900" dirty="0">
               <a:solidFill>
@@ -2069,16 +2069,16 @@
               </a:spcBef>
             </a:pPr>
             <a:r>
-              <a:rPr lang="en-US" sz="1000" dirty="0">
+              <a:rPr lang="ja-jp" sz="1000" dirty="0">
                 <a:solidFill>
                   <a:schemeClr val="bg1"/>
                 </a:solidFill>
                 <a:latin typeface="Adobe Clean SemiLight"/>
               </a:rPr>
-              <a:t>Adobe provides a comprehensive range of technical resources to help support your business included as part of your Adobe enterprise subscription. Standard support includes 24x7 access to our self-help support resources including articles on HelpX and engagement with other customers on Adobe Community. You can take advantage of our detailed and in-depth technical product documentation and current release notes published on </a:t>
-            </a:r>
-            <a:r>
-              <a:rPr lang="en-US" sz="1000" u="sng" dirty="0">
+              <a:t>Adobe는 Adobe 엔터프라이즈 구독의 일부로 포함된 비즈니스를 지원하는 데 도움이 되는 포괄적인 기술 리소스를 제공합니다.표준 지원에는 HelpX 관련 문서 및 Adobe 커뮤니티에서의 다른 고객과의 참여를 포함하여 자가 진단 지원 리소스에 대한 24x7 액세스 권한이 포함됩니다.</a:t>
+            </a:r>
+            <a:r>
+              <a:rPr lang="ja-jp" sz="1000" u="sng" dirty="0">
                 <a:solidFill>
                   <a:schemeClr val="bg1"/>
                 </a:solidFill>
@@ -2094,22 +2094,22 @@
               <a:t>http://www.adobe.com</a:t>
             </a:r>
             <a:r>
-              <a:rPr lang="en-US" sz="1000" u="sng" dirty="0">
+              <a:rPr lang="ja-jp" sz="1000" u="sng" dirty="0">
                 <a:solidFill>
                   <a:schemeClr val="bg1"/>
                 </a:solidFill>
                 <a:latin typeface="Adobe Clean SemiLight"/>
               </a:rPr>
-              <a:t>. </a:t>
-            </a:r>
-            <a:r>
-              <a:rPr lang="en-US" sz="1000" dirty="0">
+              <a:t>에 게시된 상세한 심층적 기술 제품 설명서 및 최신 릴리스 정보를 활용할 수 있습니다.</a:t>
+            </a:r>
+            <a:r>
+              <a:rPr lang="ja-jp" sz="1000" dirty="0">
                 <a:solidFill>
                   <a:schemeClr val="bg1"/>
                 </a:solidFill>
                 <a:latin typeface="Adobe Clean SemiLight"/>
               </a:rPr>
-              <a:t>Our standard support also includes 24x7 access for Authorized Users (Admins) to our technical support teams via chat or telephone as well as the ability to log requests for assistance via our support web portal. </a:t>
+              <a:t>또한 표준 지원에는 승인된 사용자(관리자)가 언제든지 채팅 또는 전화를 통해 기술 지원 팀에 문의하고 지원 웹 포털을 통해 지원 요청을 기록할 수 있는 24x7 액세스 권한이 포함됩니다. </a:t>
             </a:r>
             <a:endParaRPr lang="en-US" sz="1000" dirty="0">
               <a:solidFill>
@@ -2159,7 +2159,7 @@
           <p:nvPr>
             <p:extLst>
               <p:ext uri="{D42A27DB-BD31-4B8C-83A1-F6EECF244321}">
-                <p14:modId xmlns:p14="http://schemas.microsoft.com/office/powerpoint/2010/main" val="3167048013"/>
+                <p14:modId xmlns:p14="http://schemas.microsoft.com/office/powerpoint/2010/main" val="1622228775"/>
               </p:ext>
             </p:extLst>
           </p:nvPr>
@@ -2260,24 +2260,14 @@
                         </a:spcBef>
                       </a:pPr>
                       <a:r>
-                        <a:rPr lang="en-US" sz="1000" spc="0" dirty="0">
+                        <a:rPr lang="ja-jp" sz="1000" spc="0" dirty="0">
                           <a:solidFill>
                             <a:srgbClr val="404040"/>
                           </a:solidFill>
                           <a:latin typeface="Adobe Clean"/>
                           <a:cs typeface="Adobe Clean"/>
                         </a:rPr>
-                        <a:t>Standard </a:t>
-                      </a:r>
-                      <a:r>
-                        <a:rPr sz="1000" spc="0" dirty="0">
-                          <a:solidFill>
-                            <a:srgbClr val="404040"/>
-                          </a:solidFill>
-                          <a:latin typeface="Adobe Clean"/>
-                          <a:cs typeface="Adobe Clean"/>
-                        </a:rPr>
-                        <a:t>Support</a:t>
+                        <a:t>표준 지원</a:t>
                       </a:r>
                       <a:endParaRPr sz="1000" spc="0" dirty="0">
                         <a:latin typeface="Adobe Clean"/>
@@ -2317,160 +2307,159 @@
                         </a:spcBef>
                       </a:pPr>
                       <a:r>
-                        <a:rPr sz="1000" spc="0" dirty="0">
+                        <a:rPr lang="ja-jp" sz="1000" spc="0" dirty="0">
                           <a:solidFill>
                             <a:srgbClr val="FFFFFF"/>
                           </a:solidFill>
                           <a:latin typeface="Adobe Clean"/>
                           <a:cs typeface="Adobe Clean"/>
                         </a:rPr>
-                        <a:t>Business</a:t>
+                        <a:t>비즈니스 지원</a:t>
                       </a:r>
+                      <a:endParaRPr sz="1000" spc="0" dirty="0">
+                        <a:latin typeface="Adobe Clean"/>
+                        <a:cs typeface="Adobe Clean"/>
+                      </a:endParaRPr>
+                    </a:p>
+                  </a:txBody>
+                  <a:tcPr marL="0" marR="0" marT="7620" marB="0" anchor="ctr">
+                    <a:lnL w="3175">
+                      <a:solidFill>
+                        <a:srgbClr val="B7B8B8"/>
+                      </a:solidFill>
+                      <a:prstDash val="solid"/>
+                    </a:lnL>
+                    <a:lnR w="3175">
+                      <a:solidFill>
+                        <a:srgbClr val="B7B8B8"/>
+                      </a:solidFill>
+                      <a:prstDash val="solid"/>
+                    </a:lnR>
+                    <a:lnB w="76200">
+                      <a:solidFill>
+                        <a:srgbClr val="ACD2FF"/>
+                      </a:solidFill>
+                      <a:prstDash val="solid"/>
+                    </a:lnB>
+                    <a:solidFill>
+                      <a:srgbClr val="7D7D7D"/>
+                    </a:solidFill>
+                  </a:tcPr>
+                </a:tc>
+                <a:tc gridSpan="2">
+                  <a:txBody>
+                    <a:bodyPr/>
+                    <a:lstStyle/>
+                    <a:p>
+                      <a:pPr marL="2540" algn="ctr">
+                        <a:lnSpc>
+                          <a:spcPct val="100000"/>
+                        </a:lnSpc>
+                        <a:spcBef>
+                          <a:spcPts val="60"/>
+                        </a:spcBef>
+                      </a:pPr>
                       <a:r>
-                        <a:rPr lang="en-US" sz="1000" spc="0" dirty="0">
+                        <a:rPr lang="ja-jp" sz="1000" spc="0" dirty="0">
                           <a:solidFill>
                             <a:srgbClr val="FFFFFF"/>
                           </a:solidFill>
                           <a:latin typeface="Adobe Clean"/>
                           <a:cs typeface="Adobe Clean"/>
                         </a:rPr>
-                        <a:t> </a:t>
+                        <a:t>엔터프라이</a:t>
                       </a:r>
                       <a:r>
-                        <a:rPr sz="1000" spc="0" dirty="0">
+                        <a:rPr lang="ja-jp" sz="1000" spc="0">
                           <a:solidFill>
                             <a:srgbClr val="FFFFFF"/>
                           </a:solidFill>
                           <a:latin typeface="Adobe Clean"/>
                           <a:cs typeface="Adobe Clean"/>
                         </a:rPr>
-                        <a:t>Support</a:t>
+                        <a:t>즈 </a:t>
                       </a:r>
-                      <a:endParaRPr sz="1000" spc="0" dirty="0">
-                        <a:latin typeface="Adobe Clean"/>
-                        <a:cs typeface="Adobe Clean"/>
-                      </a:endParaRPr>
-                    </a:p>
-                  </a:txBody>
-                  <a:tcPr marL="0" marR="0" marT="7620" marB="0" anchor="ctr">
-                    <a:lnL w="3175">
-                      <a:solidFill>
-                        <a:srgbClr val="B7B8B8"/>
-                      </a:solidFill>
-                      <a:prstDash val="solid"/>
-                    </a:lnL>
-                    <a:lnR w="3175">
-                      <a:solidFill>
-                        <a:srgbClr val="B7B8B8"/>
-                      </a:solidFill>
-                      <a:prstDash val="solid"/>
-                    </a:lnR>
-                    <a:lnB w="76200">
-                      <a:solidFill>
-                        <a:srgbClr val="ACD2FF"/>
-                      </a:solidFill>
-                      <a:prstDash val="solid"/>
-                    </a:lnB>
-                    <a:solidFill>
-                      <a:srgbClr val="7D7D7D"/>
-                    </a:solidFill>
-                  </a:tcPr>
-                </a:tc>
-                <a:tc gridSpan="2">
-                  <a:txBody>
-                    <a:bodyPr/>
-                    <a:lstStyle/>
-                    <a:p>
-                      <a:pPr marL="2540" algn="ctr">
-                        <a:lnSpc>
-                          <a:spcPct val="100000"/>
-                        </a:lnSpc>
-                        <a:spcBef>
-                          <a:spcPts val="60"/>
-                        </a:spcBef>
-                      </a:pPr>
-                      <a:r>
-                        <a:rPr lang="en-US" sz="1000" spc="0" dirty="0">
+                      <a:br>
+                        <a:rPr lang="en-US" altLang="ja-JP" sz="1000" spc="0" dirty="0">
                           <a:solidFill>
                             <a:srgbClr val="FFFFFF"/>
                           </a:solidFill>
                           <a:latin typeface="Adobe Clean"/>
                           <a:cs typeface="Adobe Clean"/>
                         </a:rPr>
-                        <a:t>Enterprise Support</a:t>
-                      </a:r>
-                      <a:endParaRPr sz="1000" spc="0" dirty="0">
-                        <a:latin typeface="Adobe Clean"/>
-                        <a:cs typeface="Adobe Clean"/>
-                      </a:endParaRPr>
-                    </a:p>
-                  </a:txBody>
-                  <a:tcPr marL="0" marR="0" marT="7620" marB="0" anchor="ctr">
-                    <a:lnL w="3175">
-                      <a:solidFill>
-                        <a:srgbClr val="B7B8B8"/>
-                      </a:solidFill>
-                      <a:prstDash val="solid"/>
-                    </a:lnL>
-                    <a:lnR w="3175">
-                      <a:solidFill>
-                        <a:srgbClr val="B7B8B8"/>
-                      </a:solidFill>
-                      <a:prstDash val="solid"/>
-                    </a:lnR>
-                    <a:lnB w="76200">
-                      <a:solidFill>
-                        <a:srgbClr val="2E8FFF"/>
-                      </a:solidFill>
-                      <a:prstDash val="solid"/>
-                    </a:lnB>
-                    <a:solidFill>
-                      <a:srgbClr val="404040"/>
-                    </a:solidFill>
-                  </a:tcPr>
-                </a:tc>
-                <a:tc hMerge="1">
-                  <a:txBody>
-                    <a:bodyPr/>
-                    <a:lstStyle/>
-                    <a:p>
-                      <a:pPr marL="635" algn="ctr">
-                        <a:lnSpc>
-                          <a:spcPct val="100000"/>
-                        </a:lnSpc>
-                        <a:spcBef>
-                          <a:spcPts val="60"/>
-                        </a:spcBef>
-                      </a:pPr>
+                      </a:br>
                       <a:r>
-                        <a:rPr sz="900" spc="-20">
+                        <a:rPr lang="ja-jp" sz="1000" spc="0">
                           <a:solidFill>
                             <a:srgbClr val="FFFFFF"/>
                           </a:solidFill>
                           <a:latin typeface="Adobe Clean"/>
                           <a:cs typeface="Adobe Clean"/>
                         </a:rPr>
-                        <a:t>Enterprise</a:t>
+                        <a:t>지</a:t>
                       </a:r>
                       <a:r>
-                        <a:rPr lang="en-US" sz="900" spc="-20">
+                        <a:rPr lang="ja-jp" sz="1000" spc="0" dirty="0">
                           <a:solidFill>
                             <a:srgbClr val="FFFFFF"/>
                           </a:solidFill>
                           <a:latin typeface="Adobe Clean"/>
                           <a:cs typeface="Adobe Clean"/>
                         </a:rPr>
-                        <a:t> </a:t>
+                        <a:t>원</a:t>
                       </a:r>
+                      <a:endParaRPr sz="1000" spc="0" dirty="0">
+                        <a:latin typeface="Adobe Clean"/>
+                        <a:cs typeface="Adobe Clean"/>
+                      </a:endParaRPr>
+                    </a:p>
+                  </a:txBody>
+                  <a:tcPr marL="0" marR="0" marT="7620" marB="0" anchor="ctr">
+                    <a:lnL w="3175">
+                      <a:solidFill>
+                        <a:srgbClr val="B7B8B8"/>
+                      </a:solidFill>
+                      <a:prstDash val="solid"/>
+                    </a:lnL>
+                    <a:lnR w="3175">
+                      <a:solidFill>
+                        <a:srgbClr val="B7B8B8"/>
+                      </a:solidFill>
+                      <a:prstDash val="solid"/>
+                    </a:lnR>
+                    <a:lnB w="76200">
+                      <a:solidFill>
+                        <a:srgbClr val="2E8FFF"/>
+                      </a:solidFill>
+                      <a:prstDash val="solid"/>
+                    </a:lnB>
+                    <a:solidFill>
+                      <a:srgbClr val="404040"/>
+                    </a:solidFill>
+                  </a:tcPr>
+                </a:tc>
+                <a:tc hMerge="1">
+                  <a:txBody>
+                    <a:bodyPr/>
+                    <a:lstStyle/>
+                    <a:p>
+                      <a:pPr marL="635" algn="ctr">
+                        <a:lnSpc>
+                          <a:spcPct val="100000"/>
+                        </a:lnSpc>
+                        <a:spcBef>
+                          <a:spcPts val="60"/>
+                        </a:spcBef>
+                      </a:pPr>
                       <a:r>
-                        <a:rPr sz="900" spc="-20">
+                        <a:rPr lang="ja-jp" sz="900" spc="-20">
                           <a:solidFill>
                             <a:srgbClr val="FFFFFF"/>
                           </a:solidFill>
                           <a:latin typeface="Adobe Clean"/>
                           <a:cs typeface="Adobe Clean"/>
                         </a:rPr>
-                        <a:t>Support</a:t>
+                        <a:t>엔터프라이즈 지원</a:t>
                       </a:r>
                       <a:endParaRPr sz="900">
                         <a:latin typeface="Adobe Clean"/>
@@ -2516,34 +2505,14 @@
                         </a:spcBef>
                       </a:pPr>
                       <a:r>
-                        <a:rPr sz="1000" spc="0" dirty="0">
+                        <a:rPr lang="ja-jp" sz="1000" spc="0" dirty="0">
                           <a:solidFill>
                             <a:srgbClr val="FFFFFF"/>
                           </a:solidFill>
                           <a:latin typeface="Adobe Clean"/>
                           <a:cs typeface="Adobe Clean"/>
                         </a:rPr>
-                        <a:t>Elite</a:t>
-                      </a:r>
-                      <a:r>
-                        <a:rPr lang="en-US" sz="1000" spc="0" dirty="0">
-                          <a:solidFill>
-                            <a:srgbClr val="FFFFFF"/>
-                          </a:solidFill>
-                          <a:latin typeface="Adobe Clean"/>
-                          <a:cs typeface="Adobe Clean"/>
-                        </a:rPr>
-                        <a:t> </a:t>
-                      </a:r>
-                      <a:r>
-                        <a:rPr sz="1000" spc="0" dirty="0">
-                          <a:solidFill>
-                            <a:srgbClr val="FFFFFF"/>
-                          </a:solidFill>
-                          <a:latin typeface="Adobe Clean"/>
-                          <a:cs typeface="Adobe Clean"/>
-                        </a:rPr>
-                        <a:t>Support</a:t>
+                        <a:t>엘리트 지원</a:t>
                       </a:r>
                       <a:endParaRPr sz="1000" spc="0" dirty="0">
                         <a:latin typeface="Adobe Clean"/>
@@ -2655,44 +2624,14 @@
                         </a:spcBef>
                       </a:pPr>
                       <a:r>
-                        <a:rPr lang="en-US" sz="1000" b="1" i="1" spc="0" dirty="0">
+                        <a:rPr lang="ja-jp" sz="1000" b="1" i="1" spc="0" dirty="0">
                           <a:solidFill>
                             <a:srgbClr val="FFFFFF"/>
                           </a:solidFill>
                           <a:latin typeface="Adobe Clean" panose="020B0503020404020204" pitchFamily="34" charset="0"/>
                           <a:cs typeface="Adobe Clean"/>
                         </a:rPr>
-                        <a:t>Paid</a:t>
-                      </a:r>
-                      <a:r>
-                        <a:rPr sz="1000" b="1" i="1" spc="0" dirty="0">
-                          <a:solidFill>
-                            <a:srgbClr val="FFFFFF"/>
-                          </a:solidFill>
-                          <a:latin typeface="Adobe Clean" panose="020B0503020404020204" pitchFamily="34" charset="0"/>
-                          <a:cs typeface="Adobe Clean"/>
-                        </a:rPr>
-                        <a:t> Support Levels</a:t>
-                      </a:r>
-                      <a:r>
-                        <a:rPr lang="en-US" sz="1000" b="1" i="1" spc="0" dirty="0">
-                          <a:solidFill>
-                            <a:srgbClr val="FFFFFF"/>
-                          </a:solidFill>
-                          <a:latin typeface="Adobe Clean" panose="020B0503020404020204" pitchFamily="34" charset="0"/>
-                          <a:cs typeface="Adobe Clean"/>
-                        </a:rPr>
-                        <a:t> </a:t>
-                      </a:r>
-                      <a:r>
-                        <a:rPr sz="1000" b="1" i="1" spc="0" dirty="0">
-                          <a:solidFill>
-                            <a:srgbClr val="FFFFFF"/>
-                          </a:solidFill>
-                          <a:latin typeface="Adobe Clean" panose="020B0503020404020204" pitchFamily="34" charset="0"/>
-                          <a:cs typeface="Adobe Clean"/>
-                        </a:rPr>
-                        <a:t>($)</a:t>
+                        <a:t>유로 지원 수준 ($)</a:t>
                       </a:r>
                       <a:endParaRPr sz="1000" b="1" spc="0" dirty="0">
                         <a:latin typeface="Adobe Clean" panose="020B0503020404020204" pitchFamily="34" charset="0"/>
@@ -2784,14 +2723,14 @@
                         </a:spcBef>
                       </a:pPr>
                       <a:r>
-                        <a:rPr lang="en-US" sz="1200" b="1" i="0" spc="0" dirty="0">
+                        <a:rPr lang="ja-jp" sz="1200" b="1" i="0" spc="0" dirty="0">
                           <a:solidFill>
                             <a:schemeClr val="bg1"/>
                           </a:solidFill>
                           <a:latin typeface="Adobe Clean" panose="020B0503020404020204" pitchFamily="34" charset="0"/>
                           <a:cs typeface="AdobeClean-Light"/>
                         </a:rPr>
-                        <a:t>Assigned Experts</a:t>
+                        <a:t>할당된 전문가</a:t>
                       </a:r>
                       <a:endParaRPr sz="1200" b="1" i="0" spc="0" dirty="0">
                         <a:solidFill>
@@ -2846,24 +2785,14 @@
                         </a:spcBef>
                       </a:pPr>
                       <a:r>
-                        <a:rPr sz="1100" b="0" i="0" spc="0" dirty="0">
+                        <a:rPr lang="ja-jp" sz="1100" b="0" i="0" spc="0" dirty="0">
                           <a:solidFill>
                             <a:srgbClr val="020302"/>
                           </a:solidFill>
                           <a:latin typeface="Adobe Clean Light" panose="020B0303020404020204" pitchFamily="34" charset="0"/>
                           <a:cs typeface="AdobeClean-Light"/>
                         </a:rPr>
-                        <a:t>Account </a:t>
-                      </a:r>
-                      <a:r>
-                        <a:rPr lang="en-US" sz="1100" b="0" i="0" spc="0" dirty="0">
-                          <a:solidFill>
-                            <a:srgbClr val="020302"/>
-                          </a:solidFill>
-                          <a:latin typeface="Adobe Clean Light" panose="020B0303020404020204" pitchFamily="34" charset="0"/>
-                          <a:cs typeface="AdobeClean-Light"/>
-                        </a:rPr>
-                        <a:t>Support Lead</a:t>
+                        <a:t>계정 지원 리드</a:t>
                       </a:r>
                       <a:endParaRPr sz="1100" b="0" i="0" spc="0" dirty="0">
                         <a:latin typeface="Adobe Clean Light" panose="020B0303020404020204" pitchFamily="34" charset="0"/>
@@ -2945,7 +2874,7 @@
                         </a:spcBef>
                       </a:pPr>
                       <a:r>
-                        <a:rPr sz="1100" spc="0" dirty="0">
+                        <a:rPr lang="ja-jp" sz="1100" spc="0" dirty="0">
                           <a:solidFill>
                             <a:srgbClr val="020302"/>
                           </a:solidFill>
@@ -3114,14 +3043,14 @@
                         </a:spcBef>
                       </a:pPr>
                       <a:r>
-                        <a:rPr sz="1100" b="0" i="0" spc="0" dirty="0">
+                        <a:rPr lang="ja-jp" sz="1100" b="0" i="0" spc="0" dirty="0">
                           <a:solidFill>
                             <a:srgbClr val="020302"/>
                           </a:solidFill>
                           <a:latin typeface="Adobe Clean Light"/>
                           <a:cs typeface="AdobeClean-Light"/>
                         </a:rPr>
-                        <a:t>Named Support Engineer</a:t>
+                        <a:t>지정 지원 엔지니어</a:t>
                       </a:r>
                       <a:endParaRPr sz="1100" b="0" i="0" spc="0" dirty="0">
                         <a:latin typeface="Adobe Clean Light"/>
@@ -3227,7 +3156,7 @@
                         </a:spcBef>
                       </a:pPr>
                       <a:r>
-                        <a:rPr sz="1100" spc="0" dirty="0">
+                        <a:rPr lang="ja-jp" sz="1100" spc="0" dirty="0">
                           <a:solidFill>
                             <a:srgbClr val="020302"/>
                           </a:solidFill>
@@ -3258,7 +3187,7 @@
                         </a:spcBef>
                       </a:pPr>
                       <a:r>
-                        <a:rPr sz="1100" spc="0" dirty="0">
+                        <a:rPr lang="ja-jp" sz="1100" spc="0" dirty="0">
                           <a:solidFill>
                             <a:srgbClr val="020302"/>
                           </a:solidFill>
@@ -3352,14 +3281,14 @@
                         </a:spcBef>
                       </a:pPr>
                       <a:r>
-                        <a:rPr sz="1100" b="0" i="0" spc="0" dirty="0">
+                        <a:rPr lang="ja-jp" sz="1100" b="0" i="0" spc="0" dirty="0">
                           <a:solidFill>
                             <a:srgbClr val="020302"/>
                           </a:solidFill>
                           <a:latin typeface="Adobe Clean Light"/>
                           <a:cs typeface="AdobeClean-Light"/>
                         </a:rPr>
-                        <a:t>Technical Account Manager</a:t>
+                        <a:t>기술 계정 관리자</a:t>
                       </a:r>
                       <a:endParaRPr sz="1100" b="0" i="0" spc="0" dirty="0">
                         <a:latin typeface="Adobe Clean Light"/>
@@ -3528,7 +3457,7 @@
                         </a:spcBef>
                       </a:pPr>
                       <a:r>
-                        <a:rPr sz="1100" spc="0" dirty="0">
+                        <a:rPr lang="ja-jp" sz="1100" spc="0" dirty="0">
                           <a:solidFill>
                             <a:srgbClr val="020302"/>
                           </a:solidFill>
@@ -3582,14 +3511,14 @@
                         </a:spcBef>
                       </a:pPr>
                       <a:r>
-                        <a:rPr lang="en-US" sz="1200" b="1" i="0" spc="0" dirty="0">
+                        <a:rPr lang="ja-jp" sz="1200" b="1" i="0" spc="0" dirty="0">
                           <a:solidFill>
                             <a:schemeClr val="bg1"/>
                           </a:solidFill>
                           <a:latin typeface="Adobe Clean" panose="020B0503020404020204" pitchFamily="34" charset="0"/>
                           <a:cs typeface="AdobeClean-Light"/>
                         </a:rPr>
-                        <a:t>Support Services</a:t>
+                        <a:t>지원 서비스</a:t>
                       </a:r>
                       <a:endParaRPr sz="1200" b="1" i="0" spc="0" dirty="0">
                         <a:solidFill>
@@ -3653,14 +3582,14 @@
                         </a:spcBef>
                       </a:pPr>
                       <a:r>
-                        <a:rPr lang="en-US" sz="1100" b="0" i="0" spc="0" dirty="0">
+                        <a:rPr lang="ja-jp" sz="1100" b="0" i="0" spc="0" dirty="0">
                           <a:solidFill>
                             <a:srgbClr val="020302"/>
                           </a:solidFill>
                           <a:latin typeface="Adobe Clean Light"/>
                           <a:cs typeface="AdobeClean-Light"/>
                         </a:rPr>
-                        <a:t>24x7 Self-Help Support </a:t>
+                        <a:t>24x7 자가 진단 지원 </a:t>
                       </a:r>
                       <a:endParaRPr lang="en-US" sz="1100" b="0" i="0" spc="0" dirty="0">
                         <a:latin typeface="Adobe Clean Light" panose="020B0303020404020204" pitchFamily="34" charset="0"/>
@@ -3706,7 +3635,7 @@
                         </a:spcBef>
                       </a:pPr>
                       <a:r>
-                        <a:rPr sz="1100" spc="0" dirty="0">
+                        <a:rPr lang="ja-jp" sz="1100" spc="0" dirty="0">
                           <a:solidFill>
                             <a:srgbClr val="020302"/>
                           </a:solidFill>
@@ -3758,7 +3687,7 @@
                         </a:spcBef>
                       </a:pPr>
                       <a:r>
-                        <a:rPr sz="1100" spc="0" dirty="0">
+                        <a:rPr lang="ja-jp" sz="1100" spc="0" dirty="0">
                           <a:solidFill>
                             <a:srgbClr val="020302"/>
                           </a:solidFill>
@@ -3827,7 +3756,7 @@
                         </a:spcBef>
                       </a:pPr>
                       <a:r>
-                        <a:rPr sz="1100" spc="0" dirty="0">
+                        <a:rPr lang="ja-jp" sz="1100" spc="0" dirty="0">
                           <a:solidFill>
                             <a:srgbClr val="020302"/>
                           </a:solidFill>
@@ -3865,7 +3794,7 @@
                         </a:spcBef>
                       </a:pPr>
                       <a:r>
-                        <a:rPr sz="1100" spc="0" dirty="0">
+                        <a:rPr lang="ja-jp" sz="1100" spc="0" dirty="0">
                           <a:solidFill>
                             <a:srgbClr val="020302"/>
                           </a:solidFill>
@@ -3956,14 +3885,14 @@
                         </a:spcBef>
                       </a:pPr>
                       <a:r>
-                        <a:rPr lang="en-US" sz="1100" b="0" i="0" spc="0" dirty="0">
+                        <a:rPr lang="ja-jp" sz="1100" b="0" i="0" spc="0" dirty="0">
                           <a:solidFill>
                             <a:srgbClr val="020302"/>
                           </a:solidFill>
                           <a:latin typeface="Adobe Clean Light" panose="020B0303020404020204" pitchFamily="34" charset="0"/>
                           <a:cs typeface="AdobeClean-Light"/>
                         </a:rPr>
-                        <a:t>24x7 Support via Chat / Phone</a:t>
+                        <a:t>24x7 채팅/전화를 통한 지원</a:t>
                       </a:r>
                       <a:endParaRPr sz="1100" b="0" i="0" spc="0" dirty="0">
                         <a:latin typeface="Adobe Clean Light" panose="020B0303020404020204" pitchFamily="34" charset="0"/>
@@ -4003,7 +3932,7 @@
                         </a:spcBef>
                       </a:pPr>
                       <a:r>
-                        <a:rPr sz="1100" spc="0" dirty="0">
+                        <a:rPr lang="ja-jp" sz="1100" spc="0" dirty="0">
                           <a:solidFill>
                             <a:srgbClr val="020302"/>
                           </a:solidFill>
@@ -4049,7 +3978,7 @@
                         </a:spcBef>
                       </a:pPr>
                       <a:r>
-                        <a:rPr sz="1100" spc="0" dirty="0">
+                        <a:rPr lang="ja-jp" sz="1100" spc="0" dirty="0">
                           <a:solidFill>
                             <a:srgbClr val="020302"/>
                           </a:solidFill>
@@ -4101,7 +4030,7 @@
                         </a:spcBef>
                       </a:pPr>
                       <a:r>
-                        <a:rPr sz="1100" spc="0" dirty="0">
+                        <a:rPr lang="ja-jp" sz="1100" spc="0" dirty="0">
                           <a:solidFill>
                             <a:srgbClr val="020302"/>
                           </a:solidFill>
@@ -4132,7 +4061,7 @@
                         </a:spcBef>
                       </a:pPr>
                       <a:r>
-                        <a:rPr sz="1100" spc="0" dirty="0">
+                        <a:rPr lang="ja-jp" sz="1100" spc="0" dirty="0">
                           <a:solidFill>
                             <a:srgbClr val="020302"/>
                           </a:solidFill>
@@ -4217,11 +4146,11 @@
                         </a:spcBef>
                       </a:pPr>
                       <a:r>
-                        <a:rPr lang="en-US" sz="1100" b="0" i="0" spc="0" dirty="0">
+                        <a:rPr lang="ja-jp" sz="1100" b="0" i="0" spc="0" dirty="0">
                           <a:latin typeface="Adobe Clean Light"/>
                           <a:cs typeface="AdobeClean-Light"/>
                         </a:rPr>
-                        <a:t>Web Case Submissions </a:t>
+                        <a:t>웹 사례 제출 </a:t>
                       </a:r>
                       <a:endParaRPr sz="1100" b="0" i="0" spc="0" dirty="0">
                         <a:latin typeface="Adobe Clean Light" panose="020B0303020404020204" pitchFamily="34" charset="0"/>
@@ -4261,7 +4190,7 @@
                         </a:spcBef>
                       </a:pPr>
                       <a:r>
-                        <a:rPr sz="1100" spc="0" dirty="0">
+                        <a:rPr lang="ja-jp" sz="1100" spc="0" dirty="0">
                           <a:solidFill>
                             <a:srgbClr val="020302"/>
                           </a:solidFill>
@@ -4307,7 +4236,7 @@
                         </a:spcBef>
                       </a:pPr>
                       <a:r>
-                        <a:rPr sz="1100" spc="0" dirty="0">
+                        <a:rPr lang="ja-jp" sz="1100" spc="0" dirty="0">
                           <a:solidFill>
                             <a:srgbClr val="020302"/>
                           </a:solidFill>
@@ -4359,7 +4288,7 @@
                         </a:spcBef>
                       </a:pPr>
                       <a:r>
-                        <a:rPr sz="1100" spc="0" dirty="0">
+                        <a:rPr lang="ja-jp" sz="1100" spc="0" dirty="0">
                           <a:solidFill>
                             <a:srgbClr val="020302"/>
                           </a:solidFill>
@@ -4390,7 +4319,7 @@
                         </a:spcBef>
                       </a:pPr>
                       <a:r>
-                        <a:rPr sz="1100" spc="0" dirty="0">
+                        <a:rPr lang="ja-jp" sz="1100" spc="0" dirty="0">
                           <a:solidFill>
                             <a:srgbClr val="020302"/>
                           </a:solidFill>
@@ -4484,14 +4413,14 @@
                         </a:spcBef>
                       </a:pPr>
                       <a:r>
-                        <a:rPr lang="en-US" sz="1100" b="0" i="0" spc="0" dirty="0">
+                        <a:rPr lang="ja-jp" sz="1100" b="0" i="0" spc="0" dirty="0">
                           <a:solidFill>
                             <a:srgbClr val="020302"/>
                           </a:solidFill>
                           <a:latin typeface="Adobe Clean Light"/>
                           <a:cs typeface="AdobeClean-Light"/>
                         </a:rPr>
-                        <a:t>Priority Case Routing</a:t>
+                        <a:t>우선 순위 사례 라우팅</a:t>
                       </a:r>
                       <a:endParaRPr sz="1100" b="0" i="0" spc="0" dirty="0">
                         <a:latin typeface="Adobe Clean Light"/>
@@ -4567,7 +4496,7 @@
                         </a:spcBef>
                       </a:pPr>
                       <a:r>
-                        <a:rPr sz="1100" spc="0" dirty="0">
+                        <a:rPr lang="ja-jp" sz="1100" spc="0" dirty="0">
                           <a:solidFill>
                             <a:srgbClr val="020302"/>
                           </a:solidFill>
@@ -4619,7 +4548,7 @@
                         </a:spcBef>
                       </a:pPr>
                       <a:r>
-                        <a:rPr sz="1100" spc="0" dirty="0">
+                        <a:rPr lang="ja-jp" sz="1100" spc="0" dirty="0">
                           <a:solidFill>
                             <a:srgbClr val="020302"/>
                           </a:solidFill>
@@ -4650,7 +4579,7 @@
                         </a:spcBef>
                       </a:pPr>
                       <a:r>
-                        <a:rPr sz="1100" spc="0" dirty="0">
+                        <a:rPr lang="ja-jp" sz="1100" spc="0" dirty="0">
                           <a:solidFill>
                             <a:srgbClr val="020302"/>
                           </a:solidFill>
@@ -4753,11 +4682,11 @@
                         <a:defRPr/>
                       </a:pPr>
                       <a:r>
-                        <a:rPr lang="en-US" sz="1100" b="0" i="0" spc="0" dirty="0">
+                        <a:rPr lang="ja-jp" sz="1100" b="0" i="0" spc="0" dirty="0">
                           <a:latin typeface="Adobe Clean Light"/>
                           <a:cs typeface="AdobeClean-Light"/>
                         </a:rPr>
-                        <a:t>Accelerated Issue Prioritization</a:t>
+                        <a:t>가속화된 문제 우선 순위 지정</a:t>
                       </a:r>
                     </a:p>
                   </a:txBody>
@@ -4829,7 +4758,7 @@
                         </a:spcBef>
                       </a:pPr>
                       <a:r>
-                        <a:rPr sz="1100" spc="0" dirty="0">
+                        <a:rPr lang="ja-jp" sz="1100" spc="0" dirty="0">
                           <a:solidFill>
                             <a:srgbClr val="020302"/>
                           </a:solidFill>
@@ -4881,7 +4810,7 @@
                         </a:spcBef>
                       </a:pPr>
                       <a:r>
-                        <a:rPr sz="1100" spc="0" dirty="0">
+                        <a:rPr lang="ja-jp" sz="1100" spc="0" dirty="0">
                           <a:solidFill>
                             <a:srgbClr val="020302"/>
                           </a:solidFill>
@@ -4912,7 +4841,7 @@
                         </a:spcBef>
                       </a:pPr>
                       <a:r>
-                        <a:rPr sz="1100" spc="0" dirty="0">
+                        <a:rPr lang="ja-jp" sz="1100" spc="0" dirty="0">
                           <a:solidFill>
                             <a:srgbClr val="020302"/>
                           </a:solidFill>
@@ -4967,11 +4896,11 @@
                         </a:spcBef>
                       </a:pPr>
                       <a:r>
-                        <a:rPr lang="en-US" sz="1100" b="0" i="0" spc="0" dirty="0">
+                        <a:rPr lang="ja-jp" sz="1100" b="0" i="0" spc="0" dirty="0">
                           <a:latin typeface="Adobe Clean Light"/>
                           <a:cs typeface="AdobeClean-Light"/>
                         </a:rPr>
-                        <a:t>Escalation Management</a:t>
+                        <a:t>에스컬레이션 관리</a:t>
                       </a:r>
                       <a:endParaRPr sz="1100" b="0" i="0" spc="0" dirty="0">
                         <a:latin typeface="Adobe Clean Light"/>
@@ -5047,7 +4976,7 @@
                         </a:spcBef>
                       </a:pPr>
                       <a:r>
-                        <a:rPr sz="1100" spc="0" dirty="0">
+                        <a:rPr lang="ja-jp" sz="1100" spc="0" dirty="0">
                           <a:solidFill>
                             <a:srgbClr val="020302"/>
                           </a:solidFill>
@@ -5099,7 +5028,7 @@
                         </a:spcBef>
                       </a:pPr>
                       <a:r>
-                        <a:rPr sz="1100" spc="0" dirty="0">
+                        <a:rPr lang="ja-jp" sz="1100" spc="0" dirty="0">
                           <a:solidFill>
                             <a:srgbClr val="020302"/>
                           </a:solidFill>
@@ -5130,7 +5059,7 @@
                         </a:spcBef>
                       </a:pPr>
                       <a:r>
-                        <a:rPr sz="1100" spc="0" dirty="0">
+                        <a:rPr lang="ja-jp" sz="1100" spc="0" dirty="0">
                           <a:solidFill>
                             <a:srgbClr val="020302"/>
                           </a:solidFill>
@@ -5185,11 +5114,11 @@
                         </a:spcBef>
                       </a:pPr>
                       <a:r>
-                        <a:rPr lang="en-US" sz="1100" b="0" i="0" spc="0" dirty="0">
+                        <a:rPr lang="ja-jp" sz="1100" b="0" i="0" spc="0" dirty="0">
                           <a:latin typeface="Adobe Clean Light"/>
                           <a:cs typeface="AdobeClean-Light"/>
                         </a:rPr>
-                        <a:t>Proactive Case Monitoring</a:t>
+                        <a:t>사전 사례 모니터링</a:t>
                       </a:r>
                       <a:endParaRPr sz="1100" b="0" i="0" spc="0" dirty="0">
                         <a:latin typeface="Adobe Clean Light"/>
@@ -5302,7 +5231,7 @@
                         <a:defRPr/>
                       </a:pPr>
                       <a:r>
-                        <a:rPr lang="en-US" sz="1100" spc="0" dirty="0">
+                        <a:rPr lang="ja-jp" sz="1100" spc="0" dirty="0">
                           <a:solidFill>
                             <a:srgbClr val="020302"/>
                           </a:solidFill>
@@ -5342,7 +5271,7 @@
                         <a:defRPr/>
                       </a:pPr>
                       <a:r>
-                        <a:rPr lang="en-US" sz="1100" spc="0" dirty="0">
+                        <a:rPr lang="ja-jp" sz="1100" spc="0" dirty="0">
                           <a:solidFill>
                             <a:srgbClr val="020302"/>
                           </a:solidFill>
@@ -5427,14 +5356,14 @@
                         </a:spcBef>
                       </a:pPr>
                       <a:r>
-                        <a:rPr lang="en-US" sz="1100" b="0" i="0" spc="0">
+                        <a:rPr lang="ja-jp" sz="1100" b="0" i="0" spc="0">
                           <a:solidFill>
                             <a:srgbClr val="020302"/>
                           </a:solidFill>
                           <a:latin typeface="Adobe Clean Light"/>
                           <a:cs typeface="AdobeClean-Light"/>
                         </a:rPr>
-                        <a:t>In-Region Support Option</a:t>
+                        <a:t>지역 지원 옵션</a:t>
                       </a:r>
                       <a:endParaRPr sz="1100" b="0" i="0" spc="0" dirty="0">
                         <a:latin typeface="Adobe Clean Light" panose="020B0303020404020204" pitchFamily="34" charset="0"/>
@@ -5549,7 +5478,7 @@
                         <a:defRPr/>
                       </a:pPr>
                       <a:r>
-                        <a:rPr lang="en-US" sz="1100" spc="0" dirty="0">
+                        <a:rPr lang="ja-jp" sz="1100" spc="0" dirty="0">
                           <a:solidFill>
                             <a:srgbClr val="020302"/>
                           </a:solidFill>
@@ -5580,7 +5509,7 @@
                         </a:spcBef>
                       </a:pPr>
                       <a:r>
-                        <a:rPr sz="1100" spc="0" dirty="0">
+                        <a:rPr lang="ja-jp" sz="1100" spc="0" dirty="0">
                           <a:solidFill>
                             <a:srgbClr val="020302"/>
                           </a:solidFill>
@@ -5674,14 +5603,14 @@
                         </a:spcBef>
                       </a:pPr>
                       <a:r>
-                        <a:rPr lang="en-US" sz="1100" b="0" i="0" spc="0" dirty="0">
+                        <a:rPr lang="ja-jp" sz="1100" b="0" i="0" spc="0" dirty="0">
                           <a:solidFill>
                             <a:srgbClr val="020302"/>
                           </a:solidFill>
                           <a:latin typeface="Adobe Clean Light"/>
                           <a:cs typeface="AdobeClean-Light"/>
                         </a:rPr>
-                        <a:t>Service Reviews</a:t>
+                        <a:t>서비스 리뷰</a:t>
                       </a:r>
                       <a:endParaRPr sz="1100" b="0" i="0" spc="0" dirty="0">
                         <a:latin typeface="Adobe Clean Light"/>
@@ -5793,65 +5722,45 @@
                         </a:spcBef>
                       </a:pPr>
                       <a:r>
-                        <a:rPr sz="1100" spc="0" dirty="0">
+                        <a:rPr lang="ja-jp" sz="1100" spc="0" dirty="0">
                           <a:solidFill>
                             <a:srgbClr val="020302"/>
                           </a:solidFill>
                           <a:latin typeface="AdobeClean-Light"/>
                           <a:cs typeface="AdobeClean-Light"/>
                         </a:rPr>
-                        <a:t>2</a:t>
+                        <a:t>2/년</a:t>
                       </a:r>
+                      <a:endParaRPr sz="1100" spc="0" dirty="0">
+                        <a:latin typeface="AdobeClean-Light"/>
+                        <a:cs typeface="AdobeClean-Light"/>
+                      </a:endParaRPr>
+                    </a:p>
+                  </a:txBody>
+                  <a:tcPr marL="0" marR="0" marT="57150" marB="0"/>
+                </a:tc>
+                <a:tc>
+                  <a:txBody>
+                    <a:bodyPr/>
+                    <a:lstStyle/>
+                    <a:p>
+                      <a:pPr algn="ctr">
+                        <a:lnSpc>
+                          <a:spcPct val="100000"/>
+                        </a:lnSpc>
+                        <a:spcBef>
+                          <a:spcPts val="450"/>
+                        </a:spcBef>
+                      </a:pPr>
                       <a:r>
-                        <a:rPr lang="en-US" sz="1100" spc="0" dirty="0">
+                        <a:rPr lang="ja-jp" sz="1100" spc="0" dirty="0">
                           <a:solidFill>
                             <a:srgbClr val="020302"/>
                           </a:solidFill>
                           <a:latin typeface="AdobeClean-Light"/>
                           <a:cs typeface="AdobeClean-Light"/>
                         </a:rPr>
-                        <a:t>/year</a:t>
-                      </a:r>
-                      <a:endParaRPr sz="1100" spc="0" dirty="0">
-                        <a:latin typeface="AdobeClean-Light"/>
-                        <a:cs typeface="AdobeClean-Light"/>
-                      </a:endParaRPr>
-                    </a:p>
-                  </a:txBody>
-                  <a:tcPr marL="0" marR="0" marT="57150" marB="0"/>
-                </a:tc>
-                <a:tc>
-                  <a:txBody>
-                    <a:bodyPr/>
-                    <a:lstStyle/>
-                    <a:p>
-                      <a:pPr algn="ctr">
-                        <a:lnSpc>
-                          <a:spcPct val="100000"/>
-                        </a:lnSpc>
-                        <a:spcBef>
-                          <a:spcPts val="450"/>
-                        </a:spcBef>
-                      </a:pPr>
-                      <a:r>
-                        <a:rPr sz="1100" spc="0" dirty="0">
-                          <a:solidFill>
-                            <a:srgbClr val="020302"/>
-                          </a:solidFill>
-                          <a:latin typeface="AdobeClean-Light"/>
-                          <a:cs typeface="AdobeClean-Light"/>
-                        </a:rPr>
-                        <a:t>4</a:t>
-                      </a:r>
-                      <a:r>
-                        <a:rPr lang="en-US" sz="1100" spc="0" dirty="0">
-                          <a:solidFill>
-                            <a:srgbClr val="020302"/>
-                          </a:solidFill>
-                          <a:latin typeface="AdobeClean-Light"/>
-                          <a:cs typeface="AdobeClean-Light"/>
-                        </a:rPr>
-                        <a:t>/year</a:t>
+                        <a:t>4/년</a:t>
                       </a:r>
                       <a:endParaRPr sz="1100" spc="0" dirty="0">
                         <a:latin typeface="AdobeClean-Light"/>
@@ -5929,11 +5838,11 @@
                         </a:spcBef>
                       </a:pPr>
                       <a:r>
-                        <a:rPr lang="en-US" sz="1100" b="0" i="0" spc="0" dirty="0">
+                        <a:rPr lang="ja-jp" sz="1100" b="0" i="0" spc="0" dirty="0">
                           <a:latin typeface="Adobe Clean Light"/>
                           <a:cs typeface="AdobeClean-Light"/>
                         </a:rPr>
-                        <a:t>Case Reviews</a:t>
+                        <a:t>사례 검토</a:t>
                       </a:r>
                       <a:endParaRPr sz="1100" b="0" i="0" spc="0" dirty="0">
                         <a:latin typeface="Adobe Clean Light"/>
@@ -6039,11 +5948,11 @@
                         </a:spcBef>
                       </a:pPr>
                       <a:r>
-                        <a:rPr lang="en-US" sz="1100" spc="0" dirty="0">
+                        <a:rPr lang="ja-jp" sz="1100" spc="0" dirty="0">
                           <a:latin typeface="AdobeClean-Light"/>
                           <a:cs typeface="AdobeClean-Light"/>
                         </a:rPr>
-                        <a:t>1/month</a:t>
+                        <a:t>1/개월</a:t>
                       </a:r>
                       <a:endParaRPr sz="1100" spc="0" dirty="0">
                         <a:latin typeface="AdobeClean-Light"/>
@@ -6067,11 +5976,11 @@
                         </a:spcBef>
                       </a:pPr>
                       <a:r>
-                        <a:rPr lang="en-US" sz="1100" spc="0" dirty="0">
+                        <a:rPr lang="ja-jp" sz="1100" spc="0" dirty="0">
                           <a:latin typeface="AdobeClean-Light"/>
                           <a:cs typeface="AdobeClean-Light"/>
                         </a:rPr>
-                        <a:t>2/month</a:t>
+                        <a:t>2/개월</a:t>
                       </a:r>
                       <a:endParaRPr sz="1100" spc="0" dirty="0">
                         <a:latin typeface="AdobeClean-Light"/>
@@ -6128,11 +6037,11 @@
                         <a:defRPr/>
                       </a:pPr>
                       <a:r>
-                        <a:rPr lang="en-US" sz="1100" b="0" i="0" spc="0" dirty="0">
+                        <a:rPr lang="ja-jp" sz="1100" b="0" i="0" spc="0" dirty="0">
                           <a:latin typeface="Adobe Clean Light" panose="020B0303020404020204" pitchFamily="34" charset="0"/>
                           <a:cs typeface="AdobeClean-Light"/>
                         </a:rPr>
-                        <a:t>Solution Review</a:t>
+                        <a:t>솔루션 검토</a:t>
                       </a:r>
                     </a:p>
                   </a:txBody>
@@ -6259,7 +6168,7 @@
                         <a:defRPr/>
                       </a:pPr>
                       <a:r>
-                        <a:rPr lang="en-US" sz="1100" spc="0" dirty="0">
+                        <a:rPr lang="ja-jp" sz="1100" spc="0" dirty="0">
                           <a:solidFill>
                             <a:srgbClr val="020302"/>
                           </a:solidFill>
@@ -6321,11 +6230,11 @@
                         <a:buNone/>
                       </a:pPr>
                       <a:r>
-                        <a:rPr lang="en-US" sz="1100" b="0" i="0" spc="0" dirty="0">
+                        <a:rPr lang="ja-jp" sz="1100" b="0" i="0" spc="0" dirty="0">
                           <a:latin typeface="Adobe Clean Light"/>
                           <a:cs typeface="AdobeClean-Light"/>
                         </a:rPr>
-                        <a:t>Roadmap Review </a:t>
+                        <a:t>로드맵 검토 </a:t>
                       </a:r>
                       <a:endParaRPr lang="en-US" sz="1100" b="0" i="0" spc="0" dirty="0">
                         <a:latin typeface="Adobe Clean Light" panose="020B0303020404020204" pitchFamily="34" charset="0"/>
@@ -6456,7 +6365,7 @@
                         <a:defRPr/>
                       </a:pPr>
                       <a:r>
-                        <a:rPr lang="en-US" sz="1100" spc="0" dirty="0">
+                        <a:rPr lang="ja-jp" sz="1100" spc="0" dirty="0">
                           <a:solidFill>
                             <a:srgbClr val="020302"/>
                           </a:solidFill>
@@ -6518,14 +6427,14 @@
                         <a:buNone/>
                       </a:pPr>
                       <a:r>
-                        <a:rPr lang="en-US" sz="1100" b="0" i="0" spc="0" dirty="0">
+                        <a:rPr lang="ja-jp" sz="1100" b="0" i="0" spc="0" dirty="0">
                           <a:solidFill>
                             <a:srgbClr val="020302"/>
                           </a:solidFill>
                           <a:latin typeface="Adobe Clean Light"/>
                           <a:cs typeface="AdobeClean-Light"/>
                         </a:rPr>
-                        <a:t>Additional Named Support Contacts </a:t>
+                        <a:t>추가 지정 지원 담당자 </a:t>
                       </a:r>
                       <a:endParaRPr lang="en-US" sz="1100" b="0" i="0" spc="0" dirty="0">
                         <a:latin typeface="Adobe Clean Light" panose="020B0303020404020204" pitchFamily="34" charset="0"/>
@@ -6656,7 +6565,7 @@
                         <a:defRPr/>
                       </a:pPr>
                       <a:r>
-                        <a:rPr lang="en-US" sz="1100" spc="0" dirty="0">
+                        <a:rPr lang="ja-jp" sz="1100" spc="0" dirty="0">
                           <a:solidFill>
                             <a:srgbClr val="020302"/>
                           </a:solidFill>
@@ -6711,11 +6620,11 @@
                         </a:spcBef>
                       </a:pPr>
                       <a:r>
-                        <a:rPr lang="en-US" sz="1100" b="0" i="0" spc="0" dirty="0">
+                        <a:rPr lang="ja-jp" sz="1100" b="0" i="0" spc="0" dirty="0">
                           <a:latin typeface="Adobe Clean Light"/>
                           <a:cs typeface="AdobeClean-Light"/>
                         </a:rPr>
-                        <a:t>Upgrade/Migration Planning</a:t>
+                        <a:t>업그레이드/마이그레이션 계획</a:t>
                       </a:r>
                       <a:endParaRPr sz="1100" b="0" i="0" spc="0" dirty="0">
                         <a:latin typeface="Adobe Clean Light"/>
@@ -6846,7 +6755,7 @@
                         <a:defRPr/>
                       </a:pPr>
                       <a:r>
-                        <a:rPr lang="en-US" sz="1100" spc="0" dirty="0">
+                        <a:rPr lang="ja-jp" sz="1100" spc="0" dirty="0">
                           <a:solidFill>
                             <a:srgbClr val="020302"/>
                           </a:solidFill>
@@ -6901,11 +6810,11 @@
                         </a:spcBef>
                       </a:pPr>
                       <a:r>
-                        <a:rPr lang="en-US" sz="1100" b="0" i="0" spc="0" dirty="0">
+                        <a:rPr lang="ja-jp" sz="1100" b="0" i="0" spc="0" dirty="0">
                           <a:latin typeface="Adobe Clean Light"/>
                           <a:cs typeface="AdobeClean-Light"/>
                         </a:rPr>
-                        <a:t>Release Preparation and Planning</a:t>
+                        <a:t>릴리스 준비 및 계획</a:t>
                       </a:r>
                       <a:endParaRPr sz="1100" b="0" i="0" spc="0" dirty="0">
                         <a:latin typeface="Adobe Clean Light"/>
@@ -7036,7 +6945,7 @@
                         <a:defRPr/>
                       </a:pPr>
                       <a:r>
-                        <a:rPr lang="en-US" sz="1100" spc="0" dirty="0">
+                        <a:rPr lang="ja-jp" sz="1100" spc="0" dirty="0">
                           <a:solidFill>
                             <a:srgbClr val="020302"/>
                           </a:solidFill>
@@ -7139,11 +7048,11 @@
                         </a:spcBef>
                       </a:pPr>
                       <a:r>
-                        <a:rPr lang="en-US" sz="1100" b="0" i="0" spc="0" dirty="0">
+                        <a:rPr lang="ja-jp" sz="1100" b="0" i="0" spc="0" dirty="0">
                           <a:latin typeface="Adobe Clean Light" panose="020B0303020404020204" pitchFamily="34" charset="0"/>
                           <a:cs typeface="AdobeClean-Light"/>
                         </a:rPr>
-                        <a:t>Executive Sponsor</a:t>
+                        <a:t>경영 스폰서</a:t>
                       </a:r>
                       <a:endParaRPr sz="1100" b="0" i="0" spc="0" dirty="0">
                         <a:latin typeface="Adobe Clean Light" panose="020B0303020404020204" pitchFamily="34" charset="0"/>
@@ -7312,7 +7221,7 @@
                         </a:spcBef>
                       </a:pPr>
                       <a:r>
-                        <a:rPr sz="1100" spc="0" dirty="0">
+                        <a:rPr lang="ja-jp" sz="1100" spc="0" dirty="0">
                           <a:solidFill>
                             <a:srgbClr val="020302"/>
                           </a:solidFill>
@@ -7386,24 +7295,16 @@
               </a:spcBef>
             </a:pPr>
             <a:r>
-              <a:rPr spc="-5" dirty="0"/>
-              <a:t>©202</a:t>
-            </a:r>
-            <a:r>
-              <a:rPr lang="en-US" spc="-5" dirty="0"/>
-              <a:t>2</a:t>
-            </a:r>
-            <a:r>
-              <a:rPr spc="-5" dirty="0"/>
-              <a:t> Adobe. All Rights Reserved. Adobe</a:t>
-            </a:r>
-            <a:r>
-              <a:rPr spc="60" dirty="0"/>
+              <a:rPr lang="ja-jp" spc="-5" dirty="0"/>
+              <a:t>©2022 Adobe.All Rights Reserved.Adobe</a:t>
+            </a:r>
+            <a:r>
+              <a:rPr lang="ja-jp" spc="60" dirty="0"/>
               <a:t> </a:t>
             </a:r>
             <a:r>
-              <a:rPr spc="-5" dirty="0"/>
-              <a:t>Confidential.</a:t>
+              <a:rPr lang="ja-jp" spc="-5" dirty="0"/>
+              <a:t>기밀.</a:t>
             </a:r>
           </a:p>
         </p:txBody>
@@ -7417,14 +7318,14 @@
           <p:nvPr>
             <p:extLst>
               <p:ext uri="{D42A27DB-BD31-4B8C-83A1-F6EECF244321}">
-                <p14:modId xmlns:p14="http://schemas.microsoft.com/office/powerpoint/2010/main" val="2735922411"/>
+                <p14:modId xmlns:p14="http://schemas.microsoft.com/office/powerpoint/2010/main" val="3815021810"/>
               </p:ext>
             </p:extLst>
           </p:nvPr>
         </p:nvGraphicFramePr>
         <p:xfrm>
           <a:off x="95250" y="7483227"/>
-          <a:ext cx="7600951" cy="2361428"/>
+          <a:ext cx="7600951" cy="2187642"/>
         </p:xfrm>
         <a:graphic>
           <a:graphicData uri="http://schemas.openxmlformats.org/drawingml/2006/table">
@@ -7484,14 +7385,14 @@
                         </a:spcBef>
                       </a:pPr>
                       <a:r>
-                        <a:rPr sz="1000" spc="0" dirty="0">
+                        <a:rPr lang="ja-jp" sz="1000" spc="0" dirty="0">
                           <a:solidFill>
                             <a:srgbClr val="020302"/>
                           </a:solidFill>
                           <a:latin typeface="Adobe Clean"/>
                           <a:cs typeface="Adobe Clean"/>
                         </a:rPr>
-                        <a:t>Priority</a:t>
+                        <a:t>우선 순위</a:t>
                       </a:r>
                       <a:endParaRPr sz="1000" spc="0" dirty="0">
                         <a:latin typeface="Adobe Clean"/>
@@ -7543,44 +7444,14 @@
                         </a:spcBef>
                       </a:pPr>
                       <a:r>
-                        <a:rPr lang="en-US" sz="900" spc="0" dirty="0">
+                        <a:rPr lang="ja-jp" sz="900" spc="0" dirty="0">
                           <a:solidFill>
                             <a:srgbClr val="020302"/>
                           </a:solidFill>
                           <a:latin typeface="Adobe Clean"/>
                           <a:cs typeface="Adobe Clean"/>
                         </a:rPr>
-                        <a:t>Standard</a:t>
-                      </a:r>
-                      <a:r>
-                        <a:rPr sz="900" spc="0" dirty="0">
-                          <a:solidFill>
-                            <a:srgbClr val="020302"/>
-                          </a:solidFill>
-                          <a:latin typeface="Adobe Clean"/>
-                          <a:cs typeface="Adobe Clean"/>
-                        </a:rPr>
-                        <a:t> </a:t>
-                      </a:r>
-                      <a:r>
-                        <a:rPr lang="en-US" sz="900" spc="0" dirty="0">
-                          <a:solidFill>
-                            <a:srgbClr val="020302"/>
-                          </a:solidFill>
-                          <a:latin typeface="Adobe Clean"/>
-                          <a:cs typeface="Adobe Clean"/>
-                        </a:rPr>
-                        <a:t> </a:t>
-                      </a:r>
-                      <a:r>
-                        <a:rPr sz="900" spc="0" dirty="0">
-                          <a:solidFill>
-                            <a:srgbClr val="020302"/>
-                          </a:solidFill>
-                          <a:latin typeface="Adobe Clean"/>
-                          <a:cs typeface="Adobe Clean"/>
-                        </a:rPr>
-                        <a:t>Support</a:t>
+                        <a:t>표준  지원</a:t>
                       </a:r>
                       <a:endParaRPr sz="900" spc="0" dirty="0">
                         <a:latin typeface="Adobe Clean"/>
@@ -7635,192 +7506,132 @@
                         </a:spcBef>
                       </a:pPr>
                       <a:r>
-                        <a:rPr sz="900" spc="0" dirty="0">
+                        <a:rPr lang="ja-jp" sz="900" spc="0" dirty="0">
                           <a:solidFill>
                             <a:srgbClr val="FFFFFF"/>
                           </a:solidFill>
                           <a:latin typeface="Adobe Clean"/>
                           <a:cs typeface="Adobe Clean"/>
                         </a:rPr>
-                        <a:t>Business</a:t>
+                        <a:t>비즈니스 지원</a:t>
                       </a:r>
+                      <a:endParaRPr sz="900" spc="0" dirty="0">
+                        <a:latin typeface="Adobe Clean"/>
+                        <a:cs typeface="Adobe Clean"/>
+                      </a:endParaRPr>
+                    </a:p>
+                  </a:txBody>
+                  <a:tcPr marL="0" marR="0" marT="0" marB="0" anchor="ctr">
+                    <a:lnL w="3175">
+                      <a:solidFill>
+                        <a:srgbClr val="B7B8B8"/>
+                      </a:solidFill>
+                      <a:prstDash val="solid"/>
+                    </a:lnL>
+                    <a:lnR w="3175">
+                      <a:solidFill>
+                        <a:srgbClr val="B7B8B8"/>
+                      </a:solidFill>
+                      <a:prstDash val="solid"/>
+                    </a:lnR>
+                    <a:lnT w="3175">
+                      <a:solidFill>
+                        <a:srgbClr val="B7B8B8"/>
+                      </a:solidFill>
+                      <a:prstDash val="solid"/>
+                    </a:lnT>
+                    <a:lnB w="76200">
+                      <a:solidFill>
+                        <a:srgbClr val="ACD2FF"/>
+                      </a:solidFill>
+                      <a:prstDash val="solid"/>
+                    </a:lnB>
+                    <a:solidFill>
+                      <a:srgbClr val="7D7D7D"/>
+                    </a:solidFill>
+                  </a:tcPr>
+                </a:tc>
+                <a:tc>
+                  <a:txBody>
+                    <a:bodyPr/>
+                    <a:lstStyle/>
+                    <a:p>
+                      <a:pPr marL="0" algn="ctr">
+                        <a:lnSpc>
+                          <a:spcPct val="100000"/>
+                        </a:lnSpc>
+                        <a:spcBef>
+                          <a:spcPts val="60"/>
+                        </a:spcBef>
+                      </a:pPr>
                       <a:r>
-                        <a:rPr lang="en-US" sz="900" spc="0" dirty="0">
+                        <a:rPr lang="ja-jp" sz="900" spc="-20" baseline="0" dirty="0">
                           <a:solidFill>
                             <a:srgbClr val="FFFFFF"/>
                           </a:solidFill>
                           <a:latin typeface="Adobe Clean"/>
                           <a:cs typeface="Adobe Clean"/>
                         </a:rPr>
-                        <a:t> </a:t>
+                        <a:t>엔터프라이즈  지원</a:t>
                       </a:r>
+                      <a:endParaRPr sz="900" spc="-20" baseline="0" dirty="0">
+                        <a:latin typeface="Adobe Clean"/>
+                        <a:cs typeface="Adobe Clean"/>
+                      </a:endParaRPr>
+                    </a:p>
+                  </a:txBody>
+                  <a:tcPr marL="0" marR="0" marT="0" marB="0" anchor="ctr">
+                    <a:lnL w="3175">
+                      <a:solidFill>
+                        <a:srgbClr val="B7B8B8"/>
+                      </a:solidFill>
+                      <a:prstDash val="solid"/>
+                    </a:lnL>
+                    <a:lnR w="3175">
+                      <a:solidFill>
+                        <a:srgbClr val="B7B8B8"/>
+                      </a:solidFill>
+                      <a:prstDash val="solid"/>
+                    </a:lnR>
+                    <a:lnT w="3175">
+                      <a:solidFill>
+                        <a:srgbClr val="B7B8B8"/>
+                      </a:solidFill>
+                      <a:prstDash val="solid"/>
+                    </a:lnT>
+                    <a:lnB w="76200">
+                      <a:solidFill>
+                        <a:srgbClr val="2E8FFF"/>
+                      </a:solidFill>
+                      <a:prstDash val="solid"/>
+                    </a:lnB>
+                    <a:solidFill>
+                      <a:srgbClr val="404040"/>
+                    </a:solidFill>
+                  </a:tcPr>
+                </a:tc>
+                <a:tc>
+                  <a:txBody>
+                    <a:bodyPr/>
+                    <a:lstStyle/>
+                    <a:p>
+                      <a:pPr marL="0" algn="ctr">
+                        <a:lnSpc>
+                          <a:spcPct val="100000"/>
+                        </a:lnSpc>
+                        <a:spcBef>
+                          <a:spcPts val="60"/>
+                        </a:spcBef>
+                      </a:pPr>
                       <a:r>
-                        <a:rPr sz="900" spc="0" dirty="0">
+                        <a:rPr lang="ja-jp" sz="900" spc="0" dirty="0">
                           <a:solidFill>
                             <a:srgbClr val="FFFFFF"/>
                           </a:solidFill>
                           <a:latin typeface="Adobe Clean"/>
                           <a:cs typeface="Adobe Clean"/>
                         </a:rPr>
-                        <a:t>Support</a:t>
-                      </a:r>
-                      <a:endParaRPr sz="900" spc="0" dirty="0">
-                        <a:latin typeface="Adobe Clean"/>
-                        <a:cs typeface="Adobe Clean"/>
-                      </a:endParaRPr>
-                    </a:p>
-                  </a:txBody>
-                  <a:tcPr marL="0" marR="0" marT="0" marB="0" anchor="ctr">
-                    <a:lnL w="3175">
-                      <a:solidFill>
-                        <a:srgbClr val="B7B8B8"/>
-                      </a:solidFill>
-                      <a:prstDash val="solid"/>
-                    </a:lnL>
-                    <a:lnR w="3175">
-                      <a:solidFill>
-                        <a:srgbClr val="B7B8B8"/>
-                      </a:solidFill>
-                      <a:prstDash val="solid"/>
-                    </a:lnR>
-                    <a:lnT w="3175">
-                      <a:solidFill>
-                        <a:srgbClr val="B7B8B8"/>
-                      </a:solidFill>
-                      <a:prstDash val="solid"/>
-                    </a:lnT>
-                    <a:lnB w="76200">
-                      <a:solidFill>
-                        <a:srgbClr val="ACD2FF"/>
-                      </a:solidFill>
-                      <a:prstDash val="solid"/>
-                    </a:lnB>
-                    <a:solidFill>
-                      <a:srgbClr val="7D7D7D"/>
-                    </a:solidFill>
-                  </a:tcPr>
-                </a:tc>
-                <a:tc>
-                  <a:txBody>
-                    <a:bodyPr/>
-                    <a:lstStyle/>
-                    <a:p>
-                      <a:pPr marL="0" algn="ctr">
-                        <a:lnSpc>
-                          <a:spcPct val="100000"/>
-                        </a:lnSpc>
-                        <a:spcBef>
-                          <a:spcPts val="60"/>
-                        </a:spcBef>
-                      </a:pPr>
-                      <a:r>
-                        <a:rPr sz="900" spc="0" dirty="0">
-                          <a:solidFill>
-                            <a:srgbClr val="FFFFFF"/>
-                          </a:solidFill>
-                          <a:latin typeface="Adobe Clean"/>
-                          <a:cs typeface="Adobe Clean"/>
-                        </a:rPr>
-                        <a:t>Enterprise </a:t>
-                      </a:r>
-                      <a:r>
-                        <a:rPr lang="en-US" sz="900" spc="0" dirty="0">
-                          <a:solidFill>
-                            <a:srgbClr val="FFFFFF"/>
-                          </a:solidFill>
-                          <a:latin typeface="Adobe Clean"/>
-                          <a:cs typeface="Adobe Clean"/>
-                        </a:rPr>
-                        <a:t> </a:t>
-                      </a:r>
-                      <a:r>
-                        <a:rPr sz="900" spc="0" dirty="0">
-                          <a:solidFill>
-                            <a:srgbClr val="FFFFFF"/>
-                          </a:solidFill>
-                          <a:latin typeface="Adobe Clean"/>
-                          <a:cs typeface="Adobe Clean"/>
-                        </a:rPr>
-                        <a:t>Support</a:t>
-                      </a:r>
-                      <a:endParaRPr sz="900" spc="0" dirty="0">
-                        <a:latin typeface="Adobe Clean"/>
-                        <a:cs typeface="Adobe Clean"/>
-                      </a:endParaRPr>
-                    </a:p>
-                  </a:txBody>
-                  <a:tcPr marL="0" marR="0" marT="0" marB="0" anchor="ctr">
-                    <a:lnL w="3175">
-                      <a:solidFill>
-                        <a:srgbClr val="B7B8B8"/>
-                      </a:solidFill>
-                      <a:prstDash val="solid"/>
-                    </a:lnL>
-                    <a:lnR w="3175">
-                      <a:solidFill>
-                        <a:srgbClr val="B7B8B8"/>
-                      </a:solidFill>
-                      <a:prstDash val="solid"/>
-                    </a:lnR>
-                    <a:lnT w="3175">
-                      <a:solidFill>
-                        <a:srgbClr val="B7B8B8"/>
-                      </a:solidFill>
-                      <a:prstDash val="solid"/>
-                    </a:lnT>
-                    <a:lnB w="76200">
-                      <a:solidFill>
-                        <a:srgbClr val="2E8FFF"/>
-                      </a:solidFill>
-                      <a:prstDash val="solid"/>
-                    </a:lnB>
-                    <a:solidFill>
-                      <a:srgbClr val="404040"/>
-                    </a:solidFill>
-                  </a:tcPr>
-                </a:tc>
-                <a:tc>
-                  <a:txBody>
-                    <a:bodyPr/>
-                    <a:lstStyle/>
-                    <a:p>
-                      <a:pPr marL="0" algn="ctr">
-                        <a:lnSpc>
-                          <a:spcPct val="100000"/>
-                        </a:lnSpc>
-                        <a:spcBef>
-                          <a:spcPts val="60"/>
-                        </a:spcBef>
-                      </a:pPr>
-                      <a:r>
-                        <a:rPr sz="900" spc="0" dirty="0">
-                          <a:solidFill>
-                            <a:srgbClr val="FFFFFF"/>
-                          </a:solidFill>
-                          <a:latin typeface="Adobe Clean"/>
-                          <a:cs typeface="Adobe Clean"/>
-                        </a:rPr>
-                        <a:t>Elite</a:t>
-                      </a:r>
-                      <a:r>
-                        <a:rPr lang="en-US" sz="900" spc="0" dirty="0">
-                          <a:solidFill>
-                            <a:srgbClr val="FFFFFF"/>
-                          </a:solidFill>
-                          <a:latin typeface="Adobe Clean"/>
-                          <a:cs typeface="Adobe Clean"/>
-                        </a:rPr>
-                        <a:t> </a:t>
-                      </a:r>
-                      <a:r>
-                        <a:rPr sz="900" spc="0" dirty="0">
-                          <a:solidFill>
-                            <a:srgbClr val="FFFFFF"/>
-                          </a:solidFill>
-                          <a:latin typeface="Adobe Clean"/>
-                          <a:cs typeface="Adobe Clean"/>
-                        </a:rPr>
-                        <a:t>Support</a:t>
+                        <a:t>엘리트 지원</a:t>
                       </a:r>
                       <a:endParaRPr sz="900" spc="0" dirty="0">
                         <a:latin typeface="Adobe Clean"/>
@@ -7879,14 +7690,14 @@
                         </a:spcBef>
                       </a:pPr>
                       <a:r>
-                        <a:rPr sz="900" b="1" spc="0" dirty="0">
+                        <a:rPr lang="ja-jp" sz="900" b="1" spc="0" dirty="0">
                           <a:solidFill>
                             <a:srgbClr val="020302"/>
                           </a:solidFill>
                           <a:latin typeface="Adobe Clean"/>
                           <a:cs typeface="Adobe Clean"/>
                         </a:rPr>
-                        <a:t>PRIORITY 1</a:t>
+                        <a:t>우선 순위 1</a:t>
                       </a:r>
                       <a:endParaRPr sz="900" spc="0" dirty="0">
                         <a:latin typeface="Adobe Clean"/>
@@ -7903,14 +7714,14 @@
                         </a:spcBef>
                       </a:pPr>
                       <a:r>
-                        <a:rPr lang="en-US" sz="900" b="0" i="0" spc="0" dirty="0">
+                        <a:rPr lang="ja-jp" sz="900" b="0" i="0" spc="0" dirty="0">
                           <a:solidFill>
                             <a:srgbClr val="000000"/>
                           </a:solidFill>
                           <a:effectLst/>
                           <a:latin typeface="Adobe Clean Light" panose="020B0303020404020204" pitchFamily="34" charset="0"/>
                         </a:rPr>
-                        <a:t>Customer's production business functions are down or have significant data loss or service degradation and immediate attention is required to restore functionality and usability. </a:t>
+                        <a:t>고객의 생산 비즈니스 기능이 다운되었거나 심각한 데이터 손실 또는 서비스 저하가 발생했으며 기능 및 사용성을 복원하기 위해 즉각적인 주의가 필요합니다. </a:t>
                       </a:r>
                       <a:endParaRPr sz="900" spc="0" dirty="0">
                         <a:latin typeface="AdobeClean-Light"/>
@@ -7962,14 +7773,14 @@
                         </a:spcBef>
                       </a:pPr>
                       <a:r>
-                        <a:rPr lang="en-US" sz="900" spc="0" dirty="0">
+                        <a:rPr lang="ja-jp" sz="900" spc="0" dirty="0">
                           <a:solidFill>
                             <a:srgbClr val="020302"/>
                           </a:solidFill>
                           <a:latin typeface="AdobeClean-Light"/>
                           <a:cs typeface="AdobeClean-Light"/>
                         </a:rPr>
-                        <a:t>24x7 /</a:t>
+                        <a:t>24x7 / </a:t>
                       </a:r>
                     </a:p>
                     <a:p>
@@ -7982,14 +7793,14 @@
                         </a:spcBef>
                       </a:pPr>
                       <a:r>
-                        <a:rPr lang="en-US" sz="900" spc="0" dirty="0">
+                        <a:rPr lang="ja-jp" sz="900" spc="0" dirty="0">
                           <a:solidFill>
                             <a:srgbClr val="020302"/>
                           </a:solidFill>
                           <a:latin typeface="AdobeClean-Light"/>
                           <a:cs typeface="AdobeClean-Light"/>
                         </a:rPr>
-                        <a:t> 30 minutes</a:t>
+                        <a:t>30분</a:t>
                       </a:r>
                       <a:endParaRPr lang="en-US" sz="900" spc="0" dirty="0">
                         <a:latin typeface="AdobeClean-Light"/>
@@ -8039,10 +7850,10 @@
                         <a:tabLst/>
                       </a:pPr>
                       <a:r>
-                        <a:rPr lang="en-US" sz="900" i="0" spc="0" dirty="0">
+                        <a:rPr lang="ja-jp" sz="900" i="0" spc="0" dirty="0">
                           <a:latin typeface="AdobeClean-Light"/>
                         </a:rPr>
-                        <a:t>Customers who purchase a Support Plan for applicable Adobe Products and Services receive priority case routing that fast-tracks cases to Adobe’s Support Engineers. </a:t>
+                        <a:t>해당하는 Adobe 제품 및 서비스에 대한 지원 플랜을 구매하는 고객은 Adobe의 지원 엔지니어에게 사례를 빠르게 처리할 수 있는 우선 순위 사례 라우팅을 받게 됩니다.</a:t>
                       </a:r>
                     </a:p>
                   </a:txBody>
@@ -8090,7 +7901,7 @@
                         </a:spcBef>
                       </a:pPr>
                       <a:r>
-                        <a:rPr sz="900" spc="0">
+                        <a:rPr lang="ja-jp" sz="900" spc="0">
                           <a:solidFill>
                             <a:srgbClr val="020302"/>
                           </a:solidFill>
@@ -8100,10 +7911,59 @@
                           <a:latin typeface="AdobeClean-Light"/>
                           <a:cs typeface="AdobeClean-Light"/>
                         </a:rPr>
-                        <a:t>24x7 /  </a:t>
+                        <a:t>24x7 /           30분</a:t>
                       </a:r>
+                      <a:endParaRPr sz="900" spc="0">
+                        <a:highlight>
+                          <a:srgbClr val="FFFF00"/>
+                        </a:highlight>
+                        <a:latin typeface="AdobeClean-Light"/>
+                        <a:cs typeface="AdobeClean-Light"/>
+                      </a:endParaRPr>
+                    </a:p>
+                  </a:txBody>
+                  <a:tcPr marL="0" marR="0" marT="0" marB="0" anchor="ctr">
+                    <a:lnL w="3175">
+                      <a:solidFill>
+                        <a:srgbClr val="B7B8B8"/>
+                      </a:solidFill>
+                      <a:prstDash val="solid"/>
+                    </a:lnL>
+                    <a:lnR w="3175">
+                      <a:solidFill>
+                        <a:srgbClr val="B7B8B8"/>
+                      </a:solidFill>
+                      <a:prstDash val="solid"/>
+                    </a:lnR>
+                    <a:lnT w="76200">
+                      <a:solidFill>
+                        <a:srgbClr val="2E8FFF"/>
+                      </a:solidFill>
+                      <a:prstDash val="solid"/>
+                    </a:lnT>
+                    <a:lnB w="3175">
+                      <a:solidFill>
+                        <a:srgbClr val="B7B8B8"/>
+                      </a:solidFill>
+                      <a:prstDash val="solid"/>
+                    </a:lnB>
+                  </a:tcPr>
+                </a:tc>
+                <a:tc rowSpan="4" hMerge="1">
+                  <a:txBody>
+                    <a:bodyPr/>
+                    <a:lstStyle/>
+                    <a:p>
+                      <a:pPr marL="0" marR="271780" indent="103505" algn="ctr">
+                        <a:lnSpc>
+                          <a:spcPct val="100000"/>
+                        </a:lnSpc>
+                        <a:spcBef>
+                          <a:spcPts val="670"/>
+                        </a:spcBef>
+                      </a:pPr>
                       <a:r>
-                        <a:rPr lang="en-US" sz="900" spc="0">
+                        <a:rPr lang="ja-jp" sz="900" spc="0">
                           <a:solidFill>
                             <a:srgbClr val="020302"/>
                           </a:solidFill>
@@ -8113,160 +7973,7 @@
                           <a:latin typeface="AdobeClean-Light"/>
                           <a:cs typeface="AdobeClean-Light"/>
                         </a:rPr>
-                        <a:t>         </a:t>
-                      </a:r>
-                      <a:r>
-                        <a:rPr sz="900" spc="0">
-                          <a:solidFill>
-                            <a:srgbClr val="020302"/>
-                          </a:solidFill>
-                          <a:highlight>
-                            <a:srgbClr val="FFFF00"/>
-                          </a:highlight>
-                          <a:latin typeface="AdobeClean-Light"/>
-                          <a:cs typeface="AdobeClean-Light"/>
-                        </a:rPr>
-                        <a:t>30</a:t>
-                      </a:r>
-                      <a:r>
-                        <a:rPr lang="en-US" sz="900" spc="0">
-                          <a:solidFill>
-                            <a:srgbClr val="020302"/>
-                          </a:solidFill>
-                          <a:highlight>
-                            <a:srgbClr val="FFFF00"/>
-                          </a:highlight>
-                          <a:latin typeface="AdobeClean-Light"/>
-                          <a:cs typeface="AdobeClean-Light"/>
-                        </a:rPr>
-                        <a:t> </a:t>
-                      </a:r>
-                      <a:r>
-                        <a:rPr sz="900" spc="0">
-                          <a:solidFill>
-                            <a:srgbClr val="020302"/>
-                          </a:solidFill>
-                          <a:highlight>
-                            <a:srgbClr val="FFFF00"/>
-                          </a:highlight>
-                          <a:latin typeface="AdobeClean-Light"/>
-                          <a:cs typeface="AdobeClean-Light"/>
-                        </a:rPr>
-                        <a:t>minutes</a:t>
-                      </a:r>
-                      <a:endParaRPr sz="900" spc="0">
-                        <a:highlight>
-                          <a:srgbClr val="FFFF00"/>
-                        </a:highlight>
-                        <a:latin typeface="AdobeClean-Light"/>
-                        <a:cs typeface="AdobeClean-Light"/>
-                      </a:endParaRPr>
-                    </a:p>
-                  </a:txBody>
-                  <a:tcPr marL="0" marR="0" marT="0" marB="0" anchor="ctr">
-                    <a:lnL w="3175">
-                      <a:solidFill>
-                        <a:srgbClr val="B7B8B8"/>
-                      </a:solidFill>
-                      <a:prstDash val="solid"/>
-                    </a:lnL>
-                    <a:lnR w="3175">
-                      <a:solidFill>
-                        <a:srgbClr val="B7B8B8"/>
-                      </a:solidFill>
-                      <a:prstDash val="solid"/>
-                    </a:lnR>
-                    <a:lnT w="76200">
-                      <a:solidFill>
-                        <a:srgbClr val="2E8FFF"/>
-                      </a:solidFill>
-                      <a:prstDash val="solid"/>
-                    </a:lnT>
-                    <a:lnB w="3175">
-                      <a:solidFill>
-                        <a:srgbClr val="B7B8B8"/>
-                      </a:solidFill>
-                      <a:prstDash val="solid"/>
-                    </a:lnB>
-                  </a:tcPr>
-                </a:tc>
-                <a:tc rowSpan="4" hMerge="1">
-                  <a:txBody>
-                    <a:bodyPr/>
-                    <a:lstStyle/>
-                    <a:p>
-                      <a:pPr marL="0" marR="271780" indent="103505" algn="ctr">
-                        <a:lnSpc>
-                          <a:spcPct val="100000"/>
-                        </a:lnSpc>
-                        <a:spcBef>
-                          <a:spcPts val="670"/>
-                        </a:spcBef>
-                      </a:pPr>
-                      <a:r>
-                        <a:rPr sz="900" spc="0">
-                          <a:solidFill>
-                            <a:srgbClr val="020302"/>
-                          </a:solidFill>
-                          <a:highlight>
-                            <a:srgbClr val="FFFF00"/>
-                          </a:highlight>
-                          <a:latin typeface="AdobeClean-Light"/>
-                          <a:cs typeface="AdobeClean-Light"/>
-                        </a:rPr>
-                        <a:t>24x7 / </a:t>
-                      </a:r>
-                      <a:r>
-                        <a:rPr lang="en-US" sz="900" spc="0">
-                          <a:solidFill>
-                            <a:srgbClr val="020302"/>
-                          </a:solidFill>
-                          <a:highlight>
-                            <a:srgbClr val="FFFF00"/>
-                          </a:highlight>
-                          <a:latin typeface="AdobeClean-Light"/>
-                          <a:cs typeface="AdobeClean-Light"/>
-                        </a:rPr>
-                        <a:t>       </a:t>
-                      </a:r>
-                      <a:r>
-                        <a:rPr sz="900" spc="0">
-                          <a:solidFill>
-                            <a:srgbClr val="020302"/>
-                          </a:solidFill>
-                          <a:highlight>
-                            <a:srgbClr val="FFFF00"/>
-                          </a:highlight>
-                          <a:latin typeface="AdobeClean-Light"/>
-                          <a:cs typeface="AdobeClean-Light"/>
-                        </a:rPr>
-                        <a:t> 15</a:t>
-                      </a:r>
-                      <a:r>
-                        <a:rPr lang="en-US" sz="900" spc="0">
-                          <a:solidFill>
-                            <a:srgbClr val="020302"/>
-                          </a:solidFill>
-                          <a:highlight>
-                            <a:srgbClr val="FFFF00"/>
-                          </a:highlight>
-                          <a:latin typeface="AdobeClean-Light"/>
-                          <a:cs typeface="AdobeClean-Light"/>
-                        </a:rPr>
-                        <a:t> </a:t>
-                      </a:r>
-                      <a:r>
-                        <a:rPr sz="900" spc="0">
-                          <a:solidFill>
-                            <a:srgbClr val="020302"/>
-                          </a:solidFill>
-                          <a:highlight>
-                            <a:srgbClr val="FFFF00"/>
-                          </a:highlight>
-                          <a:latin typeface="AdobeClean-Light"/>
-                          <a:cs typeface="AdobeClean-Light"/>
-                        </a:rPr>
-                        <a:t>minutes</a:t>
+                        <a:t>24x7 /         15분</a:t>
                       </a:r>
                       <a:endParaRPr sz="900" spc="0">
                         <a:highlight>
@@ -8325,14 +8032,14 @@
                         </a:spcBef>
                       </a:pPr>
                       <a:r>
-                        <a:rPr sz="900" b="1" spc="0" dirty="0">
+                        <a:rPr lang="ja-jp" sz="900" b="1" spc="0" dirty="0">
                           <a:solidFill>
                             <a:srgbClr val="020302"/>
                           </a:solidFill>
                           <a:latin typeface="Adobe Clean"/>
                           <a:cs typeface="Adobe Clean"/>
                         </a:rPr>
-                        <a:t>PRIORITY 2</a:t>
+                        <a:t>우선 순위 2</a:t>
                       </a:r>
                       <a:endParaRPr sz="900" spc="0" dirty="0">
                         <a:latin typeface="Adobe Clean"/>
@@ -8358,14 +8065,14 @@
                         <a:defRPr/>
                       </a:pPr>
                       <a:r>
-                        <a:rPr lang="en-US" sz="900" b="0" i="0" spc="0" dirty="0">
+                        <a:rPr lang="ja-jp" sz="900" b="0" i="0" spc="0" dirty="0">
                           <a:solidFill>
                             <a:srgbClr val="000000"/>
                           </a:solidFill>
                           <a:effectLst/>
                           <a:latin typeface="Adobe Clean Light" panose="020B0303020404020204" pitchFamily="34" charset="0"/>
                         </a:rPr>
-                        <a:t>Customer's business functions have major service degradation or potential data loss, or a major feature is impacted.  </a:t>
+                        <a:t>고객의 비즈니스 기능에 심각한 서비스 저하 또는 잠재적인 데이터 손실이 있거나 주요 기능이 영향을 받습니다.  </a:t>
                       </a:r>
                       <a:endParaRPr sz="900" b="0" i="0" spc="0" dirty="0">
                         <a:latin typeface="Adobe Clean Light" panose="020B0303020404020204" pitchFamily="34" charset="0"/>
@@ -8417,7 +8124,7 @@
                         </a:spcBef>
                       </a:pPr>
                       <a:r>
-                        <a:rPr lang="en-US" sz="900" spc="0" dirty="0">
+                        <a:rPr lang="ja-jp" sz="900" spc="0" dirty="0">
                           <a:solidFill>
                             <a:srgbClr val="020302"/>
                           </a:solidFill>
@@ -8437,14 +8144,14 @@
                         </a:spcBef>
                       </a:pPr>
                       <a:r>
-                        <a:rPr lang="en-US" sz="900" spc="0" dirty="0">
+                        <a:rPr lang="ja-jp" sz="900" spc="0" dirty="0">
                           <a:solidFill>
                             <a:srgbClr val="020302"/>
                           </a:solidFill>
                           <a:latin typeface="AdobeClean-Light"/>
                           <a:cs typeface="AdobeClean-Light"/>
                         </a:rPr>
-                        <a:t>     1 hour</a:t>
+                        <a:t>     1시간</a:t>
                       </a:r>
                       <a:endParaRPr lang="en-US" sz="900" spc="0" dirty="0">
                         <a:latin typeface="AdobeClean-Light"/>
@@ -8650,24 +8357,14 @@
                         </a:spcBef>
                       </a:pPr>
                       <a:r>
-                        <a:rPr sz="900" b="1" spc="0" dirty="0">
+                        <a:rPr lang="ja-jp" sz="900" b="1" spc="0" dirty="0">
                           <a:solidFill>
                             <a:srgbClr val="020302"/>
                           </a:solidFill>
                           <a:latin typeface="Adobe Clean"/>
                           <a:cs typeface="Adobe Clean"/>
                         </a:rPr>
-                        <a:t>PRIORITY</a:t>
-                      </a:r>
-                      <a:r>
-                        <a:rPr lang="en-US" sz="900" b="1" spc="0" dirty="0">
-                          <a:solidFill>
-                            <a:srgbClr val="020302"/>
-                          </a:solidFill>
-                          <a:latin typeface="Adobe Clean"/>
-                          <a:cs typeface="Adobe Clean"/>
-                        </a:rPr>
-                        <a:t> 3</a:t>
+                        <a:t>우선 순위 3</a:t>
                       </a:r>
                       <a:endParaRPr lang="en-US" sz="900" spc="0" dirty="0">
                         <a:latin typeface="Adobe Clean"/>
@@ -8693,7 +8390,7 @@
                         <a:defRPr/>
                       </a:pPr>
                       <a:r>
-                        <a:rPr kumimoji="0" lang="en-US" sz="900" b="0" i="0" u="none" strike="noStrike" kern="1200" cap="none" spc="0" normalizeH="0" baseline="0" noProof="0" dirty="0">
+                        <a:rPr kumimoji="0" lang="ja-jp" sz="900" b="0" i="0" u="none" strike="noStrike" kern="1200" cap="none" spc="0" normalizeH="0" baseline="0" noProof="0" dirty="0">
                           <a:ln>
                             <a:noFill/>
                           </a:ln>
@@ -8707,7 +8404,7 @@
                           <a:ea typeface="+mn-ea"/>
                           <a:cs typeface="+mn-cs"/>
                         </a:rPr>
-                        <a:t>Customer's business functions have minor service degradation but there exists a solution/workaround allowing business functions to continue normally. </a:t>
+                        <a:t>고객의 비즈니스 기능에 약간의 서비스 저하가 있지만 비즈니스 기능을 정상적으로 계속할 수 있게 하는 솔루션/해결 방법이 있습니다.</a:t>
                       </a:r>
                       <a:endParaRPr lang="en-US" sz="900" b="0" i="0" spc="0" dirty="0">
                         <a:latin typeface="Adobe Clean Light" panose="020B0303020404020204" pitchFamily="34" charset="0"/>
@@ -8762,14 +8459,14 @@
                         </a:tabLst>
                       </a:pPr>
                       <a:r>
-                        <a:rPr lang="en-US" sz="900" spc="0" dirty="0">
+                        <a:rPr lang="ja-jp" sz="900" spc="0" dirty="0">
                           <a:solidFill>
                             <a:srgbClr val="020302"/>
                           </a:solidFill>
                           <a:latin typeface="AdobeClean-Light"/>
                           <a:cs typeface="AdobeClean-Light"/>
                         </a:rPr>
-                        <a:t>   Business day /   </a:t>
+                        <a:t>   영업일 /   </a:t>
                       </a:r>
                     </a:p>
                     <a:p>
@@ -8782,14 +8479,14 @@
                         </a:spcBef>
                       </a:pPr>
                       <a:r>
-                        <a:rPr lang="en-US" sz="900" spc="0" dirty="0">
+                        <a:rPr lang="ja-jp" sz="900" spc="0" dirty="0">
                           <a:solidFill>
                             <a:srgbClr val="020302"/>
                           </a:solidFill>
                           <a:latin typeface="AdobeClean-Light"/>
                           <a:cs typeface="AdobeClean-Light"/>
                         </a:rPr>
-                        <a:t>4 hours</a:t>
+                        <a:t>4시간</a:t>
                       </a:r>
                       <a:endParaRPr lang="en-US" sz="900" spc="0" dirty="0">
                         <a:latin typeface="AdobeClean-Light"/>
@@ -8995,14 +8692,14 @@
                         </a:spcBef>
                       </a:pPr>
                       <a:r>
-                        <a:rPr sz="900" b="1" spc="0" dirty="0">
+                        <a:rPr lang="ja-jp" sz="900" b="1" spc="0" dirty="0">
                           <a:solidFill>
                             <a:srgbClr val="020302"/>
                           </a:solidFill>
                           <a:latin typeface="Adobe Clean"/>
                           <a:cs typeface="Adobe Clean"/>
                         </a:rPr>
-                        <a:t>PRIORITY 4</a:t>
+                        <a:t>우선 순위 4</a:t>
                       </a:r>
                       <a:endParaRPr sz="900" spc="0" dirty="0">
                         <a:latin typeface="Adobe Clean"/>
@@ -9028,14 +8725,14 @@
                         <a:defRPr/>
                       </a:pPr>
                       <a:r>
-                        <a:rPr lang="en-US" sz="900" b="0" i="0" spc="0" dirty="0">
+                        <a:rPr lang="ja-jp" sz="900" b="0" i="0" spc="0" dirty="0">
                           <a:solidFill>
                             <a:srgbClr val="000000"/>
                           </a:solidFill>
                           <a:effectLst/>
                           <a:latin typeface="Adobe Clean Light" panose="020B0303020404020204" pitchFamily="34" charset="0"/>
                         </a:rPr>
-                        <a:t>General question regarding current product functionality or an enhancement request. </a:t>
+                        <a:t>현재 제품 기능에 관한 일반적인 질문 또는 개선 요청입니다. </a:t>
                       </a:r>
                       <a:endParaRPr sz="900" b="0" i="0" spc="0" dirty="0">
                         <a:latin typeface="Adobe Clean Light" panose="020B0303020404020204" pitchFamily="34" charset="0"/>
@@ -9090,14 +8787,14 @@
                         </a:tabLst>
                       </a:pPr>
                       <a:r>
-                        <a:rPr lang="en-US" sz="900" spc="0" dirty="0">
+                        <a:rPr lang="ja-jp" sz="900" spc="0" dirty="0">
                           <a:solidFill>
                             <a:srgbClr val="020302"/>
                           </a:solidFill>
                           <a:latin typeface="AdobeClean-Light"/>
                           <a:cs typeface="AdobeClean-Light"/>
                         </a:rPr>
-                        <a:t>  Business day /   </a:t>
+                        <a:t>  영업일 /   </a:t>
                       </a:r>
                     </a:p>
                     <a:p>
@@ -9110,14 +8807,14 @@
                         </a:spcBef>
                       </a:pPr>
                       <a:r>
-                        <a:rPr lang="en-US" sz="900" spc="0" dirty="0">
+                        <a:rPr lang="ja-jp" sz="900" spc="0" dirty="0">
                           <a:solidFill>
                             <a:srgbClr val="020302"/>
                           </a:solidFill>
                           <a:latin typeface="AdobeClean-Light"/>
                           <a:cs typeface="AdobeClean-Light"/>
                         </a:rPr>
-                        <a:t>1 day </a:t>
+                        <a:t>1일 </a:t>
                       </a:r>
                       <a:endParaRPr lang="en-US" sz="900" spc="0" dirty="0">
                         <a:latin typeface="AdobeClean-Light"/>
@@ -9352,16 +9049,10 @@
               </a:spcBef>
             </a:pPr>
             <a:r>
-              <a:rPr sz="2300" dirty="0">
+              <a:rPr lang="ja-jp" sz="2300" dirty="0">
                 <a:latin typeface="Adobe Clean" panose="020B0503020404020204" pitchFamily="34" charset="0"/>
               </a:rPr>
-              <a:t>ADOBE </a:t>
-            </a:r>
-            <a:r>
-              <a:rPr lang="en-US" sz="2300" dirty="0">
-                <a:latin typeface="Adobe Clean" panose="020B0503020404020204" pitchFamily="34" charset="0"/>
-              </a:rPr>
-              <a:t>SUPPORT PLANS</a:t>
+              <a:t>ADOBE 지원 플랜</a:t>
             </a:r>
             <a:endParaRPr sz="2300" dirty="0">
               <a:latin typeface="Adobe Clean" panose="020B0503020404020204" pitchFamily="34" charset="0"/>
@@ -9398,13 +9089,13 @@
           <a:lstStyle/>
           <a:p>
             <a:r>
-              <a:rPr lang="en-US" sz="700" i="1" dirty="0">
+              <a:rPr lang="ja-jp" sz="700" i="1" dirty="0">
                 <a:solidFill>
                   <a:schemeClr val="bg1"/>
                 </a:solidFill>
                 <a:latin typeface="Adobe Clean" panose="020B0503020404020204" pitchFamily="34" charset="0"/>
               </a:rPr>
-              <a:t>Adobe Creative Cloud / Adobe Document Cloud (including Adobe Sign)</a:t>
+              <a:t>Adobe Creative Cloud / Adobe Document Cloud (Adobe Sign 포함)</a:t>
             </a:r>
           </a:p>
           <a:p>
@@ -9556,27 +9247,17 @@
               </a:spcBef>
             </a:pPr>
             <a:r>
-              <a:rPr lang="en-US" sz="1100" spc="-20" dirty="0">
+              <a:rPr lang="ja-jp" sz="1100" spc="-20" dirty="0">
                 <a:solidFill>
                   <a:srgbClr val="020302"/>
                 </a:solidFill>
                 <a:latin typeface="AdobeClean-Light"/>
                 <a:cs typeface="AdobeClean-Light"/>
               </a:rPr>
-              <a:t>Adobe Customer Support offers a</a:t>
-            </a:r>
-            <a:r>
-              <a:rPr sz="1100" spc="-20" dirty="0">
-                <a:solidFill>
-                  <a:srgbClr val="020302"/>
-                </a:solidFill>
-                <a:latin typeface="AdobeClean-Light"/>
-                <a:cs typeface="AdobeClean-Light"/>
-              </a:rPr>
-              <a:t>ccess</a:t>
-            </a:r>
-            <a:r>
-              <a:rPr sz="1100" spc="-90" dirty="0">
+              <a:t>Adobe 고객 지원 팀은 문서화를</a:t>
+            </a:r>
+            <a:r>
+              <a:rPr lang="ja-jp" sz="1100" spc="-90" dirty="0">
                 <a:solidFill>
                   <a:srgbClr val="020302"/>
                 </a:solidFill>
@@ -9586,17 +9267,17 @@
               <a:t> </a:t>
             </a:r>
             <a:r>
-              <a:rPr sz="1100" spc="-10" dirty="0">
+              <a:rPr lang="ja-jp" sz="1100" spc="-10" dirty="0">
                 <a:solidFill>
                   <a:srgbClr val="020302"/>
                 </a:solidFill>
                 <a:latin typeface="AdobeClean-Light"/>
                 <a:cs typeface="AdobeClean-Light"/>
               </a:rPr>
-              <a:t>to</a:t>
-            </a:r>
-            <a:r>
-              <a:rPr sz="1100" spc="10" dirty="0">
+              <a:t>위한</a:t>
+            </a:r>
+            <a:r>
+              <a:rPr lang="ja-jp" sz="1100" spc="10" dirty="0">
                 <a:solidFill>
                   <a:srgbClr val="020302"/>
                 </a:solidFill>
@@ -9606,17 +9287,17 @@
               <a:t> </a:t>
             </a:r>
             <a:r>
-              <a:rPr sz="1100" spc="-20" dirty="0">
+              <a:rPr lang="ja-jp" sz="1100" spc="-20" dirty="0">
                 <a:solidFill>
                   <a:srgbClr val="020302"/>
                 </a:solidFill>
                 <a:latin typeface="AdobeClean-Light"/>
                 <a:cs typeface="AdobeClean-Light"/>
               </a:rPr>
-              <a:t>resources</a:t>
-            </a:r>
-            <a:r>
-              <a:rPr sz="1100" spc="-120" dirty="0">
+              <a:t>리소스</a:t>
+            </a:r>
+            <a:r>
+              <a:rPr lang="ja-jp" sz="1100" spc="-120" dirty="0">
                 <a:solidFill>
                   <a:srgbClr val="020302"/>
                 </a:solidFill>
@@ -9626,17 +9307,17 @@
               <a:t> </a:t>
             </a:r>
             <a:r>
-              <a:rPr sz="1100" spc="-15" dirty="0">
+              <a:rPr lang="ja-jp" sz="1100" spc="-15" dirty="0">
                 <a:solidFill>
                   <a:srgbClr val="020302"/>
                 </a:solidFill>
                 <a:latin typeface="AdobeClean-Light"/>
                 <a:cs typeface="AdobeClean-Light"/>
               </a:rPr>
-              <a:t>for</a:t>
-            </a:r>
-            <a:r>
-              <a:rPr sz="1100" spc="-30" dirty="0">
+              <a:t>및</a:t>
+            </a:r>
+            <a:r>
+              <a:rPr lang="ja-jp" sz="1100" spc="-30" dirty="0">
                 <a:solidFill>
                   <a:srgbClr val="020302"/>
                 </a:solidFill>
@@ -9646,37 +9327,17 @@
               <a:t> </a:t>
             </a:r>
             <a:r>
-              <a:rPr sz="1100" spc="-15" dirty="0">
+              <a:rPr lang="ja-jp" sz="1100" spc="-15" dirty="0">
                 <a:solidFill>
                   <a:srgbClr val="020302"/>
                 </a:solidFill>
                 <a:latin typeface="AdobeClean-Light"/>
                 <a:cs typeface="AdobeClean-Light"/>
               </a:rPr>
-              <a:t>documentation</a:t>
-            </a:r>
-            <a:r>
-              <a:rPr lang="en-US" sz="1100" spc="-15" dirty="0">
-                <a:solidFill>
-                  <a:srgbClr val="020302"/>
-                </a:solidFill>
-                <a:latin typeface="AdobeClean-Light"/>
-                <a:cs typeface="AdobeClean-Light"/>
-              </a:rPr>
-              <a:t> and </a:t>
-            </a:r>
-            <a:r>
-              <a:rPr sz="1100" spc="-15" dirty="0">
-                <a:solidFill>
-                  <a:srgbClr val="020302"/>
-                </a:solidFill>
-                <a:latin typeface="AdobeClean-Light"/>
-                <a:cs typeface="AdobeClean-Light"/>
-              </a:rPr>
-              <a:t>engagement</a:t>
-            </a:r>
-            <a:r>
-              <a:rPr lang="en-US" sz="1100" spc="-15" dirty="0">
+              <a:t>모범 사례를 위한 다른 전문가</a:t>
+            </a:r>
+            <a:r>
+              <a:rPr lang="ja-jp" sz="1100" spc="-35" dirty="0">
                 <a:solidFill>
                   <a:srgbClr val="020302"/>
                 </a:solidFill>
@@ -9686,17 +9347,67 @@
               <a:t> </a:t>
             </a:r>
             <a:r>
-              <a:rPr sz="1100" spc="-15" dirty="0">
+              <a:rPr lang="ja-jp" sz="1100" spc="-20" dirty="0">
                 <a:solidFill>
                   <a:srgbClr val="020302"/>
                 </a:solidFill>
                 <a:latin typeface="AdobeClean-Light"/>
                 <a:cs typeface="AdobeClean-Light"/>
               </a:rPr>
-              <a:t>with</a:t>
-            </a:r>
-            <a:r>
-              <a:rPr sz="1100" spc="-35" dirty="0">
+              <a:t>및 </a:t>
+            </a:r>
+            <a:r>
+              <a:rPr lang="ja-jp" sz="1100" spc="-15" dirty="0">
+                <a:solidFill>
+                  <a:srgbClr val="020302"/>
+                </a:solidFill>
+                <a:latin typeface="AdobeClean-Light"/>
+                <a:cs typeface="AdobeClean-Light"/>
+              </a:rPr>
+              <a:t>고객과의 </a:t>
+            </a:r>
+            <a:r>
+              <a:rPr lang="ja-jp" sz="1100" spc="-20" dirty="0">
+                <a:solidFill>
+                  <a:srgbClr val="020302"/>
+                </a:solidFill>
+                <a:latin typeface="AdobeClean-Light"/>
+                <a:cs typeface="AdobeClean-Light"/>
+              </a:rPr>
+              <a:t>소통에 대한 </a:t>
+            </a:r>
+            <a:r>
+              <a:rPr lang="ja-jp" sz="1100" spc="-15" dirty="0">
+                <a:solidFill>
+                  <a:srgbClr val="020302"/>
+                </a:solidFill>
+                <a:latin typeface="AdobeClean-Light"/>
+                <a:cs typeface="AdobeClean-Light"/>
+              </a:rPr>
+              <a:t>액세스를 </a:t>
+            </a:r>
+            <a:r>
+              <a:rPr lang="ja-jp" sz="1100" spc="-20" dirty="0">
+                <a:solidFill>
+                  <a:srgbClr val="020302"/>
+                </a:solidFill>
+                <a:latin typeface="AdobeClean-Light"/>
+                <a:cs typeface="AdobeClean-Light"/>
+              </a:rPr>
+              <a:t>제공합니다.질문 </a:t>
+            </a:r>
+            <a:r>
+              <a:rPr lang="ja-jp" sz="1100" spc="-15" dirty="0">
+                <a:solidFill>
+                  <a:srgbClr val="020302"/>
+                </a:solidFill>
+                <a:latin typeface="AdobeClean-Light"/>
+                <a:cs typeface="AdobeClean-Light"/>
+              </a:rPr>
+              <a:t>및</a:t>
+            </a:r>
+            <a:r>
+              <a:rPr lang="ja-jp" sz="1100" spc="-140" dirty="0">
                 <a:solidFill>
                   <a:srgbClr val="020302"/>
                 </a:solidFill>
@@ -9706,87 +9417,34 @@
               <a:t> </a:t>
             </a:r>
             <a:r>
-              <a:rPr sz="1100" spc="-20" dirty="0">
+              <a:rPr lang="ja-jp" sz="1100" spc="-20" dirty="0">
                 <a:solidFill>
                   <a:srgbClr val="020302"/>
                 </a:solidFill>
                 <a:latin typeface="AdobeClean-Light"/>
                 <a:cs typeface="AdobeClean-Light"/>
               </a:rPr>
-              <a:t>other experts </a:t>
-            </a:r>
-            <a:r>
-              <a:rPr sz="1100" spc="-15" dirty="0">
+              <a:t>사례</a:t>
+            </a:r>
+            <a:r>
+              <a:rPr lang="ja-jp" sz="1100" dirty="0">
+                <a:latin typeface="AdobeClean-Light"/>
+                <a:cs typeface="AdobeClean-Light"/>
+              </a:rPr>
+              <a:t> </a:t>
+            </a:r>
+            <a:r>
+              <a:rPr lang="ja-jp" sz="1100" spc="-25" dirty="0">
                 <a:solidFill>
                   <a:srgbClr val="020302"/>
                 </a:solidFill>
                 <a:latin typeface="AdobeClean-Light"/>
                 <a:cs typeface="AdobeClean-Light"/>
               </a:rPr>
-              <a:t>and </a:t>
-            </a:r>
-            <a:r>
-              <a:rPr sz="1100" spc="-20" dirty="0">
-                <a:solidFill>
-                  <a:srgbClr val="020302"/>
-                </a:solidFill>
-                <a:latin typeface="AdobeClean-Light"/>
-                <a:cs typeface="AdobeClean-Light"/>
-              </a:rPr>
-              <a:t>customers </a:t>
-            </a:r>
-            <a:r>
-              <a:rPr sz="1100" spc="-15" dirty="0">
-                <a:solidFill>
-                  <a:srgbClr val="020302"/>
-                </a:solidFill>
-                <a:latin typeface="AdobeClean-Light"/>
-                <a:cs typeface="AdobeClean-Light"/>
-              </a:rPr>
-              <a:t>for best </a:t>
-            </a:r>
-            <a:r>
-              <a:rPr sz="1100" spc="-20" dirty="0">
-                <a:solidFill>
-                  <a:srgbClr val="020302"/>
-                </a:solidFill>
-                <a:latin typeface="AdobeClean-Light"/>
-                <a:cs typeface="AdobeClean-Light"/>
-              </a:rPr>
-              <a:t>practices</a:t>
-            </a:r>
-            <a:r>
-              <a:rPr lang="en-US" sz="1100" spc="-20" dirty="0">
-                <a:solidFill>
-                  <a:srgbClr val="020302"/>
-                </a:solidFill>
-                <a:latin typeface="AdobeClean-Light"/>
-                <a:cs typeface="AdobeClean-Light"/>
-              </a:rPr>
-              <a:t>. </a:t>
-            </a:r>
-            <a:r>
-              <a:rPr sz="1100" spc="-20" dirty="0">
-                <a:solidFill>
-                  <a:srgbClr val="020302"/>
-                </a:solidFill>
-                <a:latin typeface="AdobeClean-Light"/>
-                <a:cs typeface="AdobeClean-Light"/>
-              </a:rPr>
-              <a:t>Several channels </a:t>
-            </a:r>
-            <a:r>
-              <a:rPr sz="1100" spc="-15" dirty="0">
-                <a:solidFill>
-                  <a:srgbClr val="020302"/>
-                </a:solidFill>
-                <a:latin typeface="AdobeClean-Light"/>
-                <a:cs typeface="AdobeClean-Light"/>
-              </a:rPr>
-              <a:t>are</a:t>
-            </a:r>
-            <a:r>
-              <a:rPr sz="1100" spc="-140" dirty="0">
+              <a:t>제출을</a:t>
+            </a:r>
+            <a:r>
+              <a:rPr lang="ja-jp" sz="1100" spc="-65" dirty="0">
                 <a:solidFill>
                   <a:srgbClr val="020302"/>
                 </a:solidFill>
@@ -9796,34 +9454,17 @@
               <a:t> </a:t>
             </a:r>
             <a:r>
-              <a:rPr sz="1100" spc="-20" dirty="0">
+              <a:rPr lang="ja-jp" sz="1100" spc="-15" dirty="0">
                 <a:solidFill>
                   <a:srgbClr val="020302"/>
                 </a:solidFill>
                 <a:latin typeface="AdobeClean-Light"/>
                 <a:cs typeface="AdobeClean-Light"/>
               </a:rPr>
-              <a:t>also</a:t>
-            </a:r>
-            <a:r>
-              <a:rPr lang="en-US" sz="1100" dirty="0">
-                <a:latin typeface="AdobeClean-Light"/>
-                <a:cs typeface="AdobeClean-Light"/>
-              </a:rPr>
-              <a:t> </a:t>
-            </a:r>
-            <a:r>
-              <a:rPr sz="1100" spc="-25" dirty="0">
-                <a:solidFill>
-                  <a:srgbClr val="020302"/>
-                </a:solidFill>
-                <a:latin typeface="AdobeClean-Light"/>
-                <a:cs typeface="AdobeClean-Light"/>
-              </a:rPr>
-              <a:t>available</a:t>
-            </a:r>
-            <a:r>
-              <a:rPr sz="1100" spc="-65" dirty="0">
+              <a:t>위한</a:t>
+            </a:r>
+            <a:r>
+              <a:rPr lang="ja-jp" sz="1100" spc="-25" dirty="0">
                 <a:solidFill>
                   <a:srgbClr val="020302"/>
                 </a:solidFill>
@@ -9833,17 +9474,17 @@
               <a:t> </a:t>
             </a:r>
             <a:r>
-              <a:rPr sz="1100" spc="-15" dirty="0">
+              <a:rPr lang="ja-jp" sz="1100" spc="-20" dirty="0">
                 <a:solidFill>
                   <a:srgbClr val="020302"/>
                 </a:solidFill>
                 <a:latin typeface="AdobeClean-Light"/>
                 <a:cs typeface="AdobeClean-Light"/>
               </a:rPr>
-              <a:t>for</a:t>
-            </a:r>
-            <a:r>
-              <a:rPr sz="1100" spc="-25" dirty="0">
+              <a:t>다양한</a:t>
+            </a:r>
+            <a:r>
+              <a:rPr lang="ja-jp" sz="1100" spc="-114" dirty="0">
                 <a:solidFill>
                   <a:srgbClr val="020302"/>
                 </a:solidFill>
@@ -9853,17 +9494,17 @@
               <a:t> </a:t>
             </a:r>
             <a:r>
-              <a:rPr sz="1100" spc="-20" dirty="0">
+              <a:rPr lang="ja-jp" sz="1100" spc="-15" dirty="0">
                 <a:solidFill>
                   <a:srgbClr val="020302"/>
                 </a:solidFill>
                 <a:latin typeface="AdobeClean-Light"/>
                 <a:cs typeface="AdobeClean-Light"/>
               </a:rPr>
-              <a:t>questions</a:t>
-            </a:r>
-            <a:r>
-              <a:rPr sz="1100" spc="-114" dirty="0">
+              <a:t>채널도</a:t>
+            </a:r>
+            <a:r>
+              <a:rPr lang="ja-jp" sz="1100" spc="-45" dirty="0">
                 <a:solidFill>
                   <a:srgbClr val="020302"/>
                 </a:solidFill>
@@ -9873,64 +9514,14 @@
               <a:t> </a:t>
             </a:r>
             <a:r>
-              <a:rPr sz="1100" spc="-15" dirty="0">
+              <a:rPr lang="ja-jp" sz="1100" spc="-20" dirty="0">
                 <a:solidFill>
                   <a:srgbClr val="020302"/>
                 </a:solidFill>
                 <a:latin typeface="AdobeClean-Light"/>
                 <a:cs typeface="AdobeClean-Light"/>
               </a:rPr>
-              <a:t>and</a:t>
-            </a:r>
-            <a:r>
-              <a:rPr sz="1100" spc="-45" dirty="0">
-                <a:solidFill>
-                  <a:srgbClr val="020302"/>
-                </a:solidFill>
-                <a:latin typeface="AdobeClean-Light"/>
-                <a:cs typeface="AdobeClean-Light"/>
-              </a:rPr>
-              <a:t> </a:t>
-            </a:r>
-            <a:r>
-              <a:rPr sz="1100" spc="-20" dirty="0">
-                <a:solidFill>
-                  <a:srgbClr val="020302"/>
-                </a:solidFill>
-                <a:latin typeface="AdobeClean-Light"/>
-                <a:cs typeface="AdobeClean-Light"/>
-              </a:rPr>
-              <a:t>case</a:t>
-            </a:r>
-            <a:r>
-              <a:rPr sz="1100" spc="-35" dirty="0">
-                <a:solidFill>
-                  <a:srgbClr val="020302"/>
-                </a:solidFill>
-                <a:latin typeface="AdobeClean-Light"/>
-                <a:cs typeface="AdobeClean-Light"/>
-              </a:rPr>
-              <a:t> </a:t>
-            </a:r>
-            <a:r>
-              <a:rPr sz="1100" spc="-20" dirty="0">
-                <a:solidFill>
-                  <a:srgbClr val="020302"/>
-                </a:solidFill>
-                <a:latin typeface="AdobeClean-Light"/>
-                <a:cs typeface="AdobeClean-Light"/>
-              </a:rPr>
-              <a:t>submissions</a:t>
-            </a:r>
-            <a:r>
-              <a:rPr lang="en-US" sz="1100" spc="-20" dirty="0">
-                <a:solidFill>
-                  <a:srgbClr val="020302"/>
-                </a:solidFill>
-                <a:latin typeface="AdobeClean-Light"/>
-                <a:cs typeface="AdobeClean-Light"/>
-              </a:rPr>
-              <a:t>.</a:t>
+              <a:t>제공됩니다.</a:t>
             </a:r>
             <a:endParaRPr sz="1100" dirty="0">
               <a:latin typeface="AdobeClean-Light"/>
@@ -9972,77 +9563,77 @@
               </a:tabLst>
             </a:pPr>
             <a:r>
-              <a:rPr lang="en-US" sz="1100" spc="-20" dirty="0">
+              <a:rPr lang="ja-jp" sz="1100" spc="-20" dirty="0">
                 <a:solidFill>
                   <a:srgbClr val="020302"/>
                 </a:solidFill>
                 <a:latin typeface="AdobeClean-Light"/>
                 <a:cs typeface="AdobeClean-Light"/>
               </a:rPr>
-              <a:t>Authorized Users (Admins) can start a chat session with Adobe Support </a:t>
-            </a:r>
-            <a:r>
-              <a:rPr sz="1100" spc="-5" dirty="0">
+              <a:t>승인된 사용자(관리자)는 Adobe 지원 팀과 함께 채팅 세션을 시작하여 </a:t>
+            </a:r>
+            <a:r>
+              <a:rPr lang="ja-jp" sz="1100" spc="-5" dirty="0">
                 <a:solidFill>
                   <a:srgbClr val="020302"/>
                 </a:solidFill>
                 <a:latin typeface="AdobeClean-Light"/>
                 <a:cs typeface="AdobeClean-Light"/>
               </a:rPr>
-              <a:t>to </a:t>
-            </a:r>
-            <a:r>
-              <a:rPr sz="1100" spc="-10" dirty="0">
+              <a:t>사례 </a:t>
+            </a:r>
+            <a:r>
+              <a:rPr lang="ja-jp" sz="1100" spc="-10" dirty="0">
                 <a:solidFill>
                   <a:srgbClr val="020302"/>
                 </a:solidFill>
                 <a:latin typeface="AdobeClean-Light"/>
                 <a:cs typeface="AdobeClean-Light"/>
               </a:rPr>
-              <a:t>get </a:t>
-            </a:r>
-            <a:r>
-              <a:rPr sz="1100" spc="-20" dirty="0">
+              <a:t>제출에 </a:t>
+            </a:r>
+            <a:r>
+              <a:rPr lang="ja-jp" sz="1100" spc="-20" dirty="0">
                 <a:solidFill>
                   <a:srgbClr val="020302"/>
                 </a:solidFill>
                 <a:latin typeface="AdobeClean-Light"/>
                 <a:cs typeface="AdobeClean-Light"/>
               </a:rPr>
-              <a:t>answers</a:t>
-            </a:r>
-            <a:r>
-              <a:rPr lang="en-US" sz="1100" spc="-45" dirty="0">
+              <a:t>대한</a:t>
+            </a:r>
+            <a:r>
+              <a:rPr lang="ja-jp" sz="1100" spc="-45" dirty="0">
                 <a:solidFill>
                   <a:srgbClr val="020302"/>
                 </a:solidFill>
                 <a:latin typeface="AdobeClean-Light"/>
                 <a:cs typeface="AdobeClean-Light"/>
               </a:rPr>
-              <a:t> and </a:t>
-            </a:r>
-            <a:r>
-              <a:rPr sz="1100" spc="-15" dirty="0">
+              <a:t> 답변 </a:t>
+            </a:r>
+            <a:r>
+              <a:rPr lang="ja-jp" sz="1100" spc="-15" dirty="0">
                 <a:solidFill>
                   <a:srgbClr val="020302"/>
                 </a:solidFill>
                 <a:latin typeface="AdobeClean-Light"/>
                 <a:cs typeface="AdobeClean-Light"/>
               </a:rPr>
-              <a:t>help </a:t>
-            </a:r>
-            <a:r>
-              <a:rPr sz="1100" spc="-10" dirty="0">
+              <a:t>및 </a:t>
+            </a:r>
+            <a:r>
+              <a:rPr lang="ja-jp" sz="1100" spc="-10" dirty="0">
                 <a:solidFill>
                   <a:srgbClr val="020302"/>
                 </a:solidFill>
                 <a:latin typeface="AdobeClean-Light"/>
                 <a:cs typeface="AdobeClean-Light"/>
               </a:rPr>
-              <a:t>with</a:t>
-            </a:r>
-            <a:r>
-              <a:rPr sz="1100" spc="85" dirty="0">
+              <a:t>도움을</a:t>
+            </a:r>
+            <a:r>
+              <a:rPr lang="ja-jp" sz="1100" spc="85" dirty="0">
                 <a:solidFill>
                   <a:srgbClr val="020302"/>
                 </a:solidFill>
@@ -10052,34 +9643,24 @@
               <a:t> </a:t>
             </a:r>
             <a:r>
-              <a:rPr sz="1100" spc="-10" dirty="0">
+              <a:rPr lang="ja-jp" sz="1100" spc="-10" dirty="0">
                 <a:solidFill>
                   <a:srgbClr val="020302"/>
                 </a:solidFill>
                 <a:latin typeface="AdobeClean-Light"/>
                 <a:cs typeface="AdobeClean-Light"/>
               </a:rPr>
-              <a:t>case </a:t>
-            </a:r>
-            <a:r>
-              <a:rPr sz="1100" spc="-20" dirty="0">
+              <a:t>얻을 수 </a:t>
+            </a:r>
+            <a:r>
+              <a:rPr lang="ja-jp" sz="1100" spc="-20" dirty="0">
                 <a:solidFill>
                   <a:srgbClr val="020302"/>
                 </a:solidFill>
                 <a:latin typeface="AdobeClean-Light"/>
                 <a:cs typeface="AdobeClean-Light"/>
               </a:rPr>
-              <a:t>submission</a:t>
-            </a:r>
-            <a:r>
-              <a:rPr lang="en-US" sz="1100" spc="-20" dirty="0">
-                <a:solidFill>
-                  <a:srgbClr val="020302"/>
-                </a:solidFill>
-                <a:latin typeface="AdobeClean-Light"/>
-                <a:cs typeface="AdobeClean-Light"/>
-              </a:rPr>
-              <a:t>.</a:t>
+              <a:t>있습니다.</a:t>
             </a:r>
           </a:p>
           <a:p>
@@ -10095,14 +9676,14 @@
               </a:tabLst>
             </a:pPr>
             <a:r>
-              <a:rPr lang="en-US" sz="1100" i="1" spc="-10" dirty="0">
+              <a:rPr lang="ja-jp" sz="1100" i="1" spc="-10" dirty="0">
                 <a:solidFill>
                   <a:srgbClr val="7A7A7A"/>
                 </a:solidFill>
                 <a:latin typeface="AdobeClean-LightIt"/>
                 <a:cs typeface="AdobeClean-LightIt"/>
               </a:rPr>
-              <a:t>Subject to local hours</a:t>
+              <a:t>로컬 운영 시간에 따라 변경될 수 있음</a:t>
             </a:r>
             <a:endParaRPr sz="1100" i="1" dirty="0">
               <a:latin typeface="AdobeClean-Light"/>
@@ -10176,14 +9757,14 @@
               </a:spcBef>
             </a:pPr>
             <a:r>
-              <a:rPr lang="en-US" sz="1400" b="1" spc="-10" dirty="0">
+              <a:rPr lang="ja-jp" sz="1400" b="1" spc="-10" dirty="0">
                 <a:solidFill>
                   <a:srgbClr val="020302"/>
                 </a:solidFill>
                 <a:latin typeface="Adobe Clean"/>
                 <a:cs typeface="Adobe Clean"/>
               </a:rPr>
-              <a:t>Standard Support</a:t>
+              <a:t>표준 지원</a:t>
             </a:r>
             <a:endParaRPr lang="en-US" sz="1400" dirty="0">
               <a:latin typeface="Adobe Clean"/>
@@ -10230,20 +9811,20 @@
               </a:spcAft>
             </a:pPr>
             <a:r>
-              <a:rPr lang="en-US" sz="1400" b="1" dirty="0">
+              <a:rPr lang="ja-jp" sz="1400" b="1" dirty="0">
                 <a:latin typeface="+mj-lt"/>
                 <a:ea typeface="Open Sans" pitchFamily="34" charset="0"/>
                 <a:cs typeface="Open Sans" pitchFamily="34" charset="0"/>
               </a:rPr>
-              <a:t>Community </a:t>
-            </a:r>
-            <a:r>
-              <a:rPr lang="en-US" sz="1400" b="1" dirty="0">
+              <a:t>커뮤니티 </a:t>
+            </a:r>
+            <a:r>
+              <a:rPr lang="ja-jp" sz="1400" b="1" dirty="0">
                 <a:latin typeface="Adobe Clean" panose="020B0503020404020204" pitchFamily="34" charset="0"/>
                 <a:ea typeface="Open Sans" pitchFamily="34" charset="0"/>
                 <a:cs typeface="Open Sans" pitchFamily="34" charset="0"/>
               </a:rPr>
-              <a:t>Forums</a:t>
+              <a:t>포럼</a:t>
             </a:r>
           </a:p>
         </p:txBody>
@@ -10276,13 +9857,13 @@
           <a:lstStyle/>
           <a:p>
             <a:r>
-              <a:rPr lang="en-US" sz="1100" dirty="0">
+              <a:rPr lang="ja-jp" sz="1100" dirty="0">
                 <a:solidFill>
                   <a:srgbClr val="000000"/>
                 </a:solidFill>
                 <a:latin typeface="Adobe Clean Light" panose="020B0303020404020204" pitchFamily="34" charset="0"/>
               </a:rPr>
-              <a:t>Continuous online access to a growing database of technical solutions, product documentation, FAQs and more. Connect with other customers on Adobe Community to share best practices and lessons learned..</a:t>
+              <a:t>기술 솔루션, 제품 문서, FAQ 등 증가하는 데이터베이스에 대한 지속적인 온라인 액세스.Adobe 커뮤니티에서 다른 고객과 소통하여 모범 사례 및 진행 중 얻은 개선 사항을 공유합니다.</a:t>
             </a:r>
           </a:p>
         </p:txBody>
@@ -10325,12 +9906,12 @@
               </a:spcAft>
             </a:pPr>
             <a:r>
-              <a:rPr lang="en-US" sz="1400" b="1" dirty="0">
+              <a:rPr lang="ja-jp" sz="1400" b="1" dirty="0">
                 <a:latin typeface="Adobe Clean" panose="020B0503020404020204" pitchFamily="34" charset="0"/>
                 <a:ea typeface="Open Sans" pitchFamily="34" charset="0"/>
                 <a:cs typeface="Open Sans" pitchFamily="34" charset="0"/>
               </a:rPr>
-              <a:t>Self-Help Portal</a:t>
+              <a:t>자가 진단 포털</a:t>
             </a:r>
           </a:p>
         </p:txBody>
@@ -10363,13 +9944,13 @@
           <a:lstStyle/>
           <a:p>
             <a:r>
-              <a:rPr lang="en-US" sz="1100" dirty="0">
+              <a:rPr lang="ja-jp" sz="1100" dirty="0">
                 <a:solidFill>
                   <a:srgbClr val="000000"/>
                 </a:solidFill>
                 <a:latin typeface="Adobe Clean Light" panose="020B0303020404020204" pitchFamily="34" charset="0"/>
               </a:rPr>
-              <a:t>On-demand access to the online self-help support portal to review case status and browse other resources like our knowledge base, news and alerts, featured tips, and more.</a:t>
+              <a:t>온라인 자가 진단 지원 포털에 대한 온디맨드 액세스를 통해 사례 상태를 검토하고 뉴스 및 알림, 기술 자료, 추천 팁 등과 같은 기타 리소스를 검색할 수 있습니다.</a:t>
             </a:r>
           </a:p>
         </p:txBody>
@@ -10412,12 +9993,12 @@
               </a:spcAft>
             </a:pPr>
             <a:r>
-              <a:rPr lang="en-US" sz="1400" b="1" dirty="0">
+              <a:rPr lang="ja-jp" sz="1400" b="1" dirty="0">
                 <a:latin typeface="Adobe Clean" panose="020B0503020404020204" pitchFamily="34" charset="0"/>
                 <a:ea typeface="Open Sans" pitchFamily="34" charset="0"/>
                 <a:cs typeface="Open Sans" pitchFamily="34" charset="0"/>
               </a:rPr>
-              <a:t>Chat Support</a:t>
+              <a:t>채팅 지원</a:t>
             </a:r>
           </a:p>
         </p:txBody>
@@ -10460,12 +10041,12 @@
               </a:spcAft>
             </a:pPr>
             <a:r>
-              <a:rPr lang="en-US" sz="1400" b="1" dirty="0">
+              <a:rPr lang="ja-jp" sz="1400" b="1" dirty="0">
                 <a:latin typeface="Adobe Clean" panose="020B0503020404020204" pitchFamily="34" charset="0"/>
                 <a:ea typeface="Open Sans" pitchFamily="34" charset="0"/>
                 <a:cs typeface="Open Sans" pitchFamily="34" charset="0"/>
               </a:rPr>
-              <a:t>Phone Support</a:t>
+              <a:t>전화 지원</a:t>
             </a:r>
           </a:p>
         </p:txBody>
@@ -10498,62 +10079,62 @@
           <a:lstStyle/>
           <a:p>
             <a:r>
-              <a:rPr lang="en-US" sz="1100" dirty="0">
+              <a:rPr lang="ja-jp" sz="1100" dirty="0">
                 <a:solidFill>
                   <a:srgbClr val="020302"/>
                 </a:solidFill>
                 <a:latin typeface="AdobeClean-Light"/>
               </a:rPr>
-              <a:t>Authorized Users (Admins) </a:t>
-            </a:r>
-            <a:r>
-              <a:rPr lang="en-US" sz="1100" dirty="0">
+              <a:t>승인된 사용자(관리자)는 </a:t>
+            </a:r>
+            <a:r>
+              <a:rPr lang="ja-jp" sz="1100" dirty="0">
                 <a:latin typeface="Adobe Clean Light"/>
               </a:rPr>
-              <a:t>can call Adobe Support via phone </a:t>
-            </a:r>
-            <a:r>
-              <a:rPr lang="en-US" sz="1100" spc="-5" dirty="0">
+              <a:t>전화를 통해 Adobe 지원 팀에 문의하여 </a:t>
+            </a:r>
+            <a:r>
+              <a:rPr lang="ja-jp" sz="1100" spc="-5" dirty="0">
                 <a:solidFill>
                   <a:srgbClr val="020302"/>
                 </a:solidFill>
                 <a:latin typeface="AdobeClean-Light"/>
                 <a:cs typeface="AdobeClean-Light"/>
               </a:rPr>
-              <a:t>to </a:t>
-            </a:r>
-            <a:r>
-              <a:rPr lang="en-US" sz="1100" spc="-10" dirty="0">
+              <a:t>사례 </a:t>
+            </a:r>
+            <a:r>
+              <a:rPr lang="ja-jp" sz="1100" spc="-10" dirty="0">
                 <a:solidFill>
                   <a:srgbClr val="020302"/>
                 </a:solidFill>
                 <a:latin typeface="AdobeClean-Light"/>
                 <a:cs typeface="AdobeClean-Light"/>
               </a:rPr>
-              <a:t>get </a:t>
-            </a:r>
-            <a:r>
-              <a:rPr lang="en-US" sz="1100" spc="-20" dirty="0">
+              <a:t>제출에 </a:t>
+            </a:r>
+            <a:r>
+              <a:rPr lang="ja-jp" sz="1100" spc="-20" dirty="0">
                 <a:solidFill>
                   <a:srgbClr val="020302"/>
                 </a:solidFill>
                 <a:latin typeface="AdobeClean-Light"/>
                 <a:cs typeface="AdobeClean-Light"/>
               </a:rPr>
-              <a:t>answers</a:t>
-            </a:r>
-            <a:r>
-              <a:rPr lang="en-US" sz="1100" spc="-45" dirty="0">
+              <a:t>대한</a:t>
+            </a:r>
+            <a:r>
+              <a:rPr lang="ja-jp" sz="1100" spc="-45" dirty="0">
                 <a:solidFill>
                   <a:srgbClr val="020302"/>
                 </a:solidFill>
                 <a:latin typeface="AdobeClean-Light"/>
                 <a:cs typeface="AdobeClean-Light"/>
               </a:rPr>
-              <a:t> and</a:t>
-            </a:r>
-            <a:r>
-              <a:rPr lang="en-US" sz="1100" dirty="0">
+              <a:t> 답변</a:t>
+            </a:r>
+            <a:r>
+              <a:rPr lang="ja-jp" sz="1100" dirty="0">
                 <a:solidFill>
                   <a:srgbClr val="020302"/>
                 </a:solidFill>
@@ -10563,46 +10144,46 @@
               <a:t> </a:t>
             </a:r>
             <a:r>
-              <a:rPr lang="en-US" sz="1100" spc="-15" dirty="0">
+              <a:rPr lang="ja-jp" sz="1100" spc="-15" dirty="0">
                 <a:solidFill>
                   <a:srgbClr val="020302"/>
                 </a:solidFill>
                 <a:latin typeface="AdobeClean-Light"/>
                 <a:cs typeface="AdobeClean-Light"/>
               </a:rPr>
-              <a:t>help </a:t>
-            </a:r>
-            <a:r>
-              <a:rPr lang="en-US" sz="1100" spc="-10" dirty="0">
+              <a:t>및 </a:t>
+            </a:r>
+            <a:r>
+              <a:rPr lang="ja-jp" sz="1100" spc="-10" dirty="0">
                 <a:solidFill>
                   <a:srgbClr val="020302"/>
                 </a:solidFill>
                 <a:latin typeface="AdobeClean-Light"/>
                 <a:cs typeface="AdobeClean-Light"/>
               </a:rPr>
-              <a:t>with case </a:t>
-            </a:r>
-            <a:r>
-              <a:rPr lang="en-US" sz="1100" spc="-20" dirty="0">
+              <a:t>도움을 </a:t>
+            </a:r>
+            <a:r>
+              <a:rPr lang="ja-jp" sz="1100" spc="-20" dirty="0">
                 <a:solidFill>
                   <a:srgbClr val="020302"/>
                 </a:solidFill>
                 <a:latin typeface="AdobeClean-Light"/>
                 <a:cs typeface="AdobeClean-Light"/>
               </a:rPr>
-              <a:t>submission.</a:t>
+              <a:t>얻을 수 있습니다.</a:t>
             </a:r>
           </a:p>
           <a:p>
             <a:r>
-              <a:rPr lang="en-US" sz="1100" i="1" spc="-10" dirty="0">
+              <a:rPr lang="ja-jp" sz="1100" i="1" spc="-10" dirty="0">
                 <a:solidFill>
                   <a:srgbClr val="7A7A7A"/>
                 </a:solidFill>
                 <a:latin typeface="Adobe Clean Light" panose="020B0303020404020204" pitchFamily="34" charset="0"/>
                 <a:cs typeface="AdobeClean-LightIt"/>
               </a:rPr>
-              <a:t>Subject to local hours</a:t>
+              <a:t>로컬 운영 시간에 따라 변경될 수 있음</a:t>
             </a:r>
             <a:endParaRPr lang="en-US" sz="1100" i="1" dirty="0">
               <a:latin typeface="Adobe Clean Light" panose="020B0303020404020204" pitchFamily="34" charset="0"/>
@@ -10649,12 +10230,12 @@
               </a:spcAft>
             </a:pPr>
             <a:r>
-              <a:rPr lang="en-US" sz="1400" b="1" dirty="0">
+              <a:rPr lang="ja-jp" sz="1400" b="1" dirty="0">
                 <a:latin typeface="Adobe Clean" panose="020B0503020404020204" pitchFamily="34" charset="0"/>
                 <a:ea typeface="Open Sans" pitchFamily="34" charset="0"/>
                 <a:cs typeface="Open Sans" pitchFamily="34" charset="0"/>
               </a:rPr>
-              <a:t>Web Case Submission</a:t>
+              <a:t>웹 사례 제출</a:t>
             </a:r>
           </a:p>
         </p:txBody>
@@ -10687,19 +10268,19 @@
           <a:lstStyle/>
           <a:p>
             <a:r>
-              <a:rPr lang="en-US" sz="1100" dirty="0">
+              <a:rPr lang="ja-jp" sz="1100" dirty="0">
                 <a:solidFill>
                   <a:srgbClr val="020302"/>
                 </a:solidFill>
                 <a:latin typeface="AdobeClean-Light"/>
               </a:rPr>
-              <a:t>Authorized Users (Admins) </a:t>
-            </a:r>
-            <a:r>
-              <a:rPr lang="en-US" sz="1100" dirty="0">
+              <a:t>승인된 사용자(관리자)</a:t>
+            </a:r>
+            <a:r>
+              <a:rPr lang="ja-jp" sz="1100" dirty="0">
                 <a:latin typeface="Adobe Clean Light"/>
               </a:rPr>
-              <a:t>can submit unlimited web cases at any time for support issues for review by our technical support team.</a:t>
+              <a:t>는 언제든지 지원 문제에 대한 웹 사례를 당사의 기술 지원 팀에서 검토하도록 무제한으로 제출할 수 있습니다.</a:t>
             </a:r>
             <a:endParaRPr lang="en-US" sz="1100" dirty="0">
               <a:solidFill>
@@ -10945,24 +10526,16 @@
               </a:spcBef>
             </a:pPr>
             <a:r>
-              <a:rPr spc="-5" dirty="0"/>
-              <a:t>©202</a:t>
-            </a:r>
-            <a:r>
-              <a:rPr lang="en-US" spc="-5" dirty="0"/>
-              <a:t>2</a:t>
-            </a:r>
-            <a:r>
-              <a:rPr spc="-5" dirty="0"/>
-              <a:t> Adobe. All Rights Reserved. Adobe</a:t>
-            </a:r>
-            <a:r>
-              <a:rPr spc="60" dirty="0"/>
+              <a:rPr lang="ja-jp" spc="-5" dirty="0"/>
+              <a:t>©2022 Adobe.All Rights Reserved.Adobe</a:t>
+            </a:r>
+            <a:r>
+              <a:rPr lang="ja-jp" spc="60" dirty="0"/>
               <a:t> </a:t>
             </a:r>
             <a:r>
-              <a:rPr spc="-5" dirty="0"/>
-              <a:t>Confidential.</a:t>
+              <a:rPr lang="ja-jp" spc="-5" dirty="0"/>
+              <a:t>기밀.</a:t>
             </a:r>
           </a:p>
         </p:txBody>
@@ -11019,17 +10592,17 @@
               </a:lnSpc>
             </a:pPr>
             <a:r>
-              <a:rPr sz="500" spc="-5" dirty="0">
+              <a:rPr lang="ja-jp" sz="500" spc="-5" dirty="0">
                 <a:solidFill>
                   <a:srgbClr val="6C6C6C"/>
                 </a:solidFill>
                 <a:latin typeface="Adobe Clean"/>
                 <a:cs typeface="Adobe Clean"/>
               </a:rPr>
-              <a:t>©2020 Adobe. All Rights Reserved. </a:t>
-            </a:r>
-            <a:r>
-              <a:rPr sz="500" dirty="0">
+              <a:t>© 2020 Adobe. All Rights Reserved.</a:t>
+            </a:r>
+            <a:r>
+              <a:rPr lang="ja-jp" sz="500" dirty="0">
                 <a:solidFill>
                   <a:srgbClr val="6C6C6C"/>
                 </a:solidFill>
@@ -11039,7 +10612,7 @@
               <a:t>Adobe</a:t>
             </a:r>
             <a:r>
-              <a:rPr sz="500" spc="5" dirty="0">
+              <a:rPr lang="ja-jp" sz="500" spc="5" dirty="0">
                 <a:solidFill>
                   <a:srgbClr val="6C6C6C"/>
                 </a:solidFill>
@@ -11049,14 +10622,14 @@
               <a:t> </a:t>
             </a:r>
             <a:r>
-              <a:rPr sz="500" spc="-5" dirty="0">
+              <a:rPr lang="ja-jp" sz="500" spc="-5" dirty="0">
                 <a:solidFill>
                   <a:srgbClr val="6C6C6C"/>
                 </a:solidFill>
                 <a:latin typeface="Adobe Clean"/>
                 <a:cs typeface="Adobe Clean"/>
               </a:rPr>
-              <a:t>Confidential.</a:t>
+              <a:t>기밀.</a:t>
             </a:r>
             <a:endParaRPr sz="500" dirty="0">
               <a:latin typeface="Adobe Clean"/>
@@ -11087,17 +10660,17 @@
               </a:spcBef>
             </a:pPr>
             <a:r>
-              <a:rPr sz="800" spc="-5" dirty="0">
+              <a:rPr lang="ja-jp" sz="800" spc="-5" dirty="0">
                 <a:solidFill>
                   <a:srgbClr val="6D6D6D"/>
                 </a:solidFill>
                 <a:latin typeface="Adobe Clean"/>
                 <a:cs typeface="Adobe Clean"/>
               </a:rPr>
-              <a:t>©2020 Adobe. All Rights Reserved. Adobe</a:t>
-            </a:r>
-            <a:r>
-              <a:rPr sz="800" spc="75" dirty="0">
+              <a:t>© 2020 Adobe. All Rights Reserved.Adobe</a:t>
+            </a:r>
+            <a:r>
+              <a:rPr lang="ja-jp" sz="800" spc="75" dirty="0">
                 <a:solidFill>
                   <a:srgbClr val="6D6D6D"/>
                 </a:solidFill>
@@ -11107,14 +10680,14 @@
               <a:t> </a:t>
             </a:r>
             <a:r>
-              <a:rPr sz="800" spc="-5" dirty="0">
+              <a:rPr lang="ja-jp" sz="800" spc="-5" dirty="0">
                 <a:solidFill>
                   <a:srgbClr val="6D6D6D"/>
                 </a:solidFill>
                 <a:latin typeface="Adobe Clean"/>
                 <a:cs typeface="Adobe Clean"/>
               </a:rPr>
-              <a:t>Confidential.</a:t>
+              <a:t>기밀.</a:t>
             </a:r>
             <a:endParaRPr sz="800" dirty="0">
               <a:latin typeface="Adobe Clean"/>
@@ -11203,14 +10776,14 @@
               </a:spcBef>
             </a:pPr>
             <a:r>
-              <a:rPr lang="en-US" sz="1400" b="1" spc="-15" dirty="0">
+              <a:rPr lang="ja-jp" sz="1400" b="1" spc="-15" dirty="0">
                 <a:solidFill>
                   <a:srgbClr val="020302"/>
                 </a:solidFill>
                 <a:latin typeface="Adobe Clean"/>
                 <a:cs typeface="Adobe Clean"/>
               </a:rPr>
-              <a:t>Resources</a:t>
+              <a:t>리소스</a:t>
             </a:r>
             <a:endParaRPr sz="1400" dirty="0">
               <a:latin typeface="Adobe Clean"/>
@@ -11249,7 +10822,7 @@
               </a:spcBef>
             </a:pPr>
             <a:r>
-              <a:rPr sz="800" spc="-15" dirty="0">
+              <a:rPr lang="ja-jp" sz="800" spc="-15" dirty="0">
                 <a:solidFill>
                   <a:srgbClr val="777879"/>
                 </a:solidFill>
@@ -11270,7 +10843,7 @@
               </a:lnSpc>
             </a:pPr>
             <a:r>
-              <a:rPr sz="800" spc="-15" dirty="0">
+              <a:rPr lang="ja-jp" sz="800" spc="-15" dirty="0">
                 <a:solidFill>
                   <a:srgbClr val="777879"/>
                 </a:solidFill>
@@ -11280,7 +10853,7 @@
               <a:t>345 Park</a:t>
             </a:r>
             <a:r>
-              <a:rPr sz="800" spc="-100" dirty="0">
+              <a:rPr lang="ja-jp" sz="800" spc="-100" dirty="0">
                 <a:solidFill>
                   <a:srgbClr val="777879"/>
                 </a:solidFill>
@@ -11290,7 +10863,7 @@
               <a:t> </a:t>
             </a:r>
             <a:r>
-              <a:rPr sz="800" spc="-15" dirty="0">
+              <a:rPr lang="ja-jp" sz="800" spc="-15" dirty="0">
                 <a:solidFill>
                   <a:srgbClr val="777879"/>
                 </a:solidFill>
@@ -11311,7 +10884,7 @@
               </a:lnSpc>
             </a:pPr>
             <a:r>
-              <a:rPr sz="800" spc="-10" dirty="0">
+              <a:rPr lang="ja-jp" sz="800" spc="-10" dirty="0">
                 <a:solidFill>
                   <a:srgbClr val="777879"/>
                 </a:solidFill>
@@ -11321,7 +10894,7 @@
               <a:t>San </a:t>
             </a:r>
             <a:r>
-              <a:rPr sz="800" spc="-15" dirty="0">
+              <a:rPr lang="ja-jp" sz="800" spc="-15" dirty="0">
                 <a:solidFill>
                   <a:srgbClr val="777879"/>
                 </a:solidFill>
@@ -11331,7 +10904,7 @@
               <a:t>Jose,</a:t>
             </a:r>
             <a:r>
-              <a:rPr sz="800" spc="-140" dirty="0">
+              <a:rPr lang="ja-jp" sz="800" spc="-140" dirty="0">
                 <a:solidFill>
                   <a:srgbClr val="777879"/>
                 </a:solidFill>
@@ -11341,7 +10914,7 @@
               <a:t> </a:t>
             </a:r>
             <a:r>
-              <a:rPr sz="800" spc="-20" dirty="0">
+              <a:rPr lang="ja-jp" sz="800" spc="-20" dirty="0">
                 <a:solidFill>
                   <a:srgbClr val="777879"/>
                 </a:solidFill>
@@ -11365,7 +10938,7 @@
               </a:spcBef>
             </a:pPr>
             <a:r>
-              <a:rPr sz="800" spc="-10" dirty="0">
+              <a:rPr lang="ja-jp" sz="800" spc="-10" dirty="0">
                 <a:solidFill>
                   <a:srgbClr val="777879"/>
                 </a:solidFill>
@@ -11389,7 +10962,7 @@
               </a:spcBef>
             </a:pPr>
             <a:r>
-              <a:rPr sz="800" u="sng" spc="-25" dirty="0">
+              <a:rPr lang="ja-jp" sz="800" u="sng" spc="-25" dirty="0">
                 <a:solidFill>
                   <a:srgbClr val="5F5F5F"/>
                 </a:solidFill>
@@ -11402,7 +10975,7 @@
                 <a:cs typeface="Adobe Clean"/>
                 <a:hlinkClick r:id="rId3"/>
               </a:rPr>
-              <a:t>www.adobe.com</a:t>
+              <a:t>www.adobe.com/kr/</a:t>
             </a:r>
             <a:endParaRPr sz="800">
               <a:latin typeface="Adobe Clean"/>
@@ -11582,17 +11155,17 @@
               </a:spcBef>
             </a:pPr>
             <a:r>
-              <a:rPr sz="1100" i="1" spc="-10" dirty="0">
+              <a:rPr lang="ja-jp" sz="1100" i="1" spc="-10" dirty="0">
                 <a:solidFill>
                   <a:srgbClr val="777879"/>
                 </a:solidFill>
                 <a:latin typeface="AdobeClean-LightIt"/>
                 <a:cs typeface="AdobeClean-LightIt"/>
               </a:rPr>
-              <a:t>To</a:t>
-            </a:r>
-            <a:r>
-              <a:rPr sz="1100" i="1" spc="-50" dirty="0">
+              <a:t>Adobe</a:t>
+            </a:r>
+            <a:r>
+              <a:rPr lang="ja-jp" sz="1100" i="1" spc="-50" dirty="0">
                 <a:solidFill>
                   <a:srgbClr val="777879"/>
                 </a:solidFill>
@@ -11602,17 +11175,17 @@
               <a:t> </a:t>
             </a:r>
             <a:r>
-              <a:rPr sz="1100" i="1" spc="-15" dirty="0">
+              <a:rPr lang="ja-jp" sz="1100" i="1" spc="-15" dirty="0">
                 <a:solidFill>
                   <a:srgbClr val="777879"/>
                 </a:solidFill>
                 <a:latin typeface="AdobeClean-LightIt"/>
                 <a:cs typeface="AdobeClean-LightIt"/>
               </a:rPr>
-              <a:t>learn</a:t>
-            </a:r>
-            <a:r>
-              <a:rPr sz="1100" i="1" spc="-40" dirty="0">
+              <a:t>지원</a:t>
+            </a:r>
+            <a:r>
+              <a:rPr lang="ja-jp" sz="1100" i="1" spc="-40" dirty="0">
                 <a:solidFill>
                   <a:srgbClr val="777879"/>
                 </a:solidFill>
@@ -11622,17 +11195,17 @@
               <a:t> </a:t>
             </a:r>
             <a:r>
-              <a:rPr sz="1100" i="1" spc="-15" dirty="0">
+              <a:rPr lang="ja-jp" sz="1100" i="1" spc="-15" dirty="0">
                 <a:solidFill>
                   <a:srgbClr val="777879"/>
                 </a:solidFill>
                 <a:latin typeface="AdobeClean-LightIt"/>
                 <a:cs typeface="AdobeClean-LightIt"/>
               </a:rPr>
-              <a:t>more</a:t>
-            </a:r>
-            <a:r>
-              <a:rPr sz="1100" i="1" spc="-45" dirty="0">
+              <a:t>서비스</a:t>
+            </a:r>
+            <a:r>
+              <a:rPr lang="ja-jp" sz="1100" i="1" spc="-45" dirty="0">
                 <a:solidFill>
                   <a:srgbClr val="777879"/>
                 </a:solidFill>
@@ -11642,17 +11215,17 @@
               <a:t> </a:t>
             </a:r>
             <a:r>
-              <a:rPr sz="1100" i="1" spc="-15" dirty="0">
+              <a:rPr lang="ja-jp" sz="1100" i="1" spc="-15" dirty="0">
                 <a:solidFill>
                   <a:srgbClr val="777879"/>
                 </a:solidFill>
                 <a:latin typeface="AdobeClean-LightIt"/>
                 <a:cs typeface="AdobeClean-LightIt"/>
               </a:rPr>
-              <a:t>about</a:t>
-            </a:r>
-            <a:r>
-              <a:rPr sz="1100" i="1" spc="-45" dirty="0">
+              <a:t>제공</a:t>
+            </a:r>
+            <a:r>
+              <a:rPr lang="ja-jp" sz="1100" i="1" spc="-45" dirty="0">
                 <a:solidFill>
                   <a:srgbClr val="777879"/>
                 </a:solidFill>
@@ -11662,17 +11235,17 @@
               <a:t> </a:t>
             </a:r>
             <a:r>
-              <a:rPr sz="1100" i="1" spc="-15" dirty="0">
+              <a:rPr lang="ja-jp" sz="1100" i="1" spc="-15" dirty="0">
                 <a:solidFill>
                   <a:srgbClr val="777879"/>
                 </a:solidFill>
                 <a:latin typeface="AdobeClean-LightIt"/>
                 <a:cs typeface="AdobeClean-LightIt"/>
               </a:rPr>
-              <a:t>Adobe</a:t>
-            </a:r>
-            <a:r>
-              <a:rPr sz="1100" i="1" spc="-60" dirty="0">
+              <a:t>사항</a:t>
+            </a:r>
+            <a:r>
+              <a:rPr lang="ja-jp" sz="1100" i="1" spc="-60" dirty="0">
                 <a:solidFill>
                   <a:srgbClr val="777879"/>
                 </a:solidFill>
@@ -11682,27 +11255,17 @@
               <a:t> </a:t>
             </a:r>
             <a:r>
-              <a:rPr sz="1100" i="1" spc="-15" dirty="0">
+              <a:rPr lang="ja-jp" sz="1100" i="1" spc="-15" dirty="0">
                 <a:solidFill>
                   <a:srgbClr val="777879"/>
                 </a:solidFill>
                 <a:latin typeface="AdobeClean-LightIt"/>
                 <a:cs typeface="AdobeClean-LightIt"/>
               </a:rPr>
-              <a:t>Support</a:t>
-            </a:r>
-            <a:r>
-              <a:rPr lang="en-US" sz="1100" i="1" spc="-15" dirty="0">
-                <a:solidFill>
-                  <a:srgbClr val="777879"/>
-                </a:solidFill>
-                <a:latin typeface="AdobeClean-LightIt"/>
-                <a:cs typeface="AdobeClean-LightIt"/>
-              </a:rPr>
-              <a:t> Offerings</a:t>
-            </a:r>
-            <a:r>
-              <a:rPr sz="1100" i="1" spc="-75" dirty="0">
+              <a:t>및 적합한</a:t>
+            </a:r>
+            <a:r>
+              <a:rPr lang="ja-jp" sz="1100" i="1" spc="-75" dirty="0">
                 <a:solidFill>
                   <a:srgbClr val="777879"/>
                 </a:solidFill>
@@ -11712,17 +11275,17 @@
               <a:t> </a:t>
             </a:r>
             <a:r>
-              <a:rPr sz="1100" i="1" spc="-15" dirty="0">
+              <a:rPr lang="ja-jp" sz="1100" i="1" spc="-15" dirty="0">
                 <a:solidFill>
                   <a:srgbClr val="777879"/>
                 </a:solidFill>
                 <a:latin typeface="AdobeClean-LightIt"/>
                 <a:cs typeface="AdobeClean-LightIt"/>
               </a:rPr>
-              <a:t>and</a:t>
-            </a:r>
-            <a:r>
-              <a:rPr sz="1100" i="1" spc="-50" dirty="0">
+              <a:t>지원</a:t>
+            </a:r>
+            <a:r>
+              <a:rPr lang="ja-jp" sz="1100" i="1" spc="-50" dirty="0">
                 <a:solidFill>
                   <a:srgbClr val="777879"/>
                 </a:solidFill>
@@ -11732,17 +11295,17 @@
               <a:t> </a:t>
             </a:r>
             <a:r>
-              <a:rPr sz="1100" i="1" spc="-15" dirty="0">
+              <a:rPr lang="ja-jp" sz="1100" i="1" spc="-15" dirty="0">
                 <a:solidFill>
                   <a:srgbClr val="777879"/>
                 </a:solidFill>
                 <a:latin typeface="AdobeClean-LightIt"/>
                 <a:cs typeface="AdobeClean-LightIt"/>
               </a:rPr>
-              <a:t>the</a:t>
-            </a:r>
-            <a:r>
-              <a:rPr sz="1100" i="1" spc="-55" dirty="0">
+              <a:t>수준에</a:t>
+            </a:r>
+            <a:r>
+              <a:rPr lang="ja-jp" sz="1100" i="1" spc="-55" dirty="0">
                 <a:solidFill>
                   <a:srgbClr val="777879"/>
                 </a:solidFill>
@@ -11752,17 +11315,17 @@
               <a:t> </a:t>
             </a:r>
             <a:r>
-              <a:rPr sz="1100" i="1" spc="-15" dirty="0">
+              <a:rPr lang="ja-jp" sz="1100" i="1" spc="-15" dirty="0">
                 <a:solidFill>
                   <a:srgbClr val="777879"/>
                 </a:solidFill>
                 <a:latin typeface="AdobeClean-LightIt"/>
                 <a:cs typeface="AdobeClean-LightIt"/>
               </a:rPr>
-              <a:t>right</a:t>
-            </a:r>
-            <a:r>
-              <a:rPr sz="1100" i="1" spc="-95" dirty="0">
+              <a:t>대해</a:t>
+            </a:r>
+            <a:r>
+              <a:rPr lang="ja-jp" sz="1100" i="1" spc="-95" dirty="0">
                 <a:solidFill>
                   <a:srgbClr val="777879"/>
                 </a:solidFill>
@@ -11772,17 +11335,17 @@
               <a:t> </a:t>
             </a:r>
             <a:r>
-              <a:rPr sz="1100" i="1" spc="-15" dirty="0">
+              <a:rPr lang="ja-jp" sz="1100" i="1" spc="-15" dirty="0">
                 <a:solidFill>
                   <a:srgbClr val="777879"/>
                 </a:solidFill>
                 <a:latin typeface="AdobeClean-LightIt"/>
                 <a:cs typeface="AdobeClean-LightIt"/>
               </a:rPr>
-              <a:t>level</a:t>
-            </a:r>
-            <a:r>
-              <a:rPr sz="1100" i="1" spc="-55" dirty="0">
+              <a:t>자세히</a:t>
+            </a:r>
+            <a:r>
+              <a:rPr lang="ja-jp" sz="1100" i="1" spc="-55" dirty="0">
                 <a:solidFill>
                   <a:srgbClr val="777879"/>
                 </a:solidFill>
@@ -11792,17 +11355,17 @@
               <a:t> </a:t>
             </a:r>
             <a:r>
-              <a:rPr sz="1100" i="1" spc="-15" dirty="0">
+              <a:rPr lang="ja-jp" sz="1100" i="1" spc="-15" dirty="0">
                 <a:solidFill>
                   <a:srgbClr val="777879"/>
                 </a:solidFill>
                 <a:latin typeface="AdobeClean-LightIt"/>
                 <a:cs typeface="AdobeClean-LightIt"/>
               </a:rPr>
-              <a:t>for</a:t>
-            </a:r>
-            <a:r>
-              <a:rPr sz="1100" i="1" spc="-85" dirty="0">
+              <a:t>알아보려면</a:t>
+            </a:r>
+            <a:r>
+              <a:rPr lang="ja-jp" sz="1100" i="1" spc="-85" dirty="0">
                 <a:solidFill>
                   <a:srgbClr val="777879"/>
                 </a:solidFill>
@@ -11812,17 +11375,17 @@
               <a:t> </a:t>
             </a:r>
             <a:r>
-              <a:rPr sz="1100" i="1" spc="-15" dirty="0">
+              <a:rPr lang="ja-jp" sz="1100" i="1" spc="-15" dirty="0">
                 <a:solidFill>
                   <a:srgbClr val="777879"/>
                 </a:solidFill>
                 <a:latin typeface="AdobeClean-LightIt"/>
                 <a:cs typeface="AdobeClean-LightIt"/>
               </a:rPr>
-              <a:t>you,</a:t>
-            </a:r>
-            <a:r>
-              <a:rPr sz="1100" i="1" spc="-65" dirty="0">
+              <a:t>지정</a:t>
+            </a:r>
+            <a:r>
+              <a:rPr lang="ja-jp" sz="1100" i="1" spc="-65" dirty="0">
                 <a:solidFill>
                   <a:srgbClr val="777879"/>
                 </a:solidFill>
@@ -11832,17 +11395,17 @@
               <a:t> </a:t>
             </a:r>
             <a:r>
-              <a:rPr sz="1100" i="1" spc="-15" dirty="0">
+              <a:rPr lang="ja-jp" sz="1100" i="1" spc="-15" dirty="0">
                 <a:solidFill>
                   <a:srgbClr val="777879"/>
                 </a:solidFill>
                 <a:latin typeface="AdobeClean-LightIt"/>
                 <a:cs typeface="AdobeClean-LightIt"/>
               </a:rPr>
-              <a:t>contact</a:t>
-            </a:r>
-            <a:r>
-              <a:rPr sz="1100" i="1" spc="-85" dirty="0">
+              <a:t>계정</a:t>
+            </a:r>
+            <a:r>
+              <a:rPr lang="ja-jp" sz="1100" i="1" spc="-85" dirty="0">
                 <a:solidFill>
                   <a:srgbClr val="777879"/>
                 </a:solidFill>
@@ -11852,17 +11415,17 @@
               <a:t> </a:t>
             </a:r>
             <a:r>
-              <a:rPr sz="1100" i="1" spc="-15" dirty="0">
+              <a:rPr lang="ja-jp" sz="1100" i="1" spc="-15" dirty="0">
                 <a:solidFill>
                   <a:srgbClr val="777879"/>
                 </a:solidFill>
                 <a:latin typeface="AdobeClean-LightIt"/>
                 <a:cs typeface="AdobeClean-LightIt"/>
               </a:rPr>
-              <a:t>your</a:t>
-            </a:r>
-            <a:r>
-              <a:rPr sz="1100" i="1" spc="-70" dirty="0">
+              <a:t>관리자(NAM)</a:t>
+            </a:r>
+            <a:r>
+              <a:rPr lang="ja-jp" sz="1100" i="1" spc="-55" dirty="0">
                 <a:solidFill>
                   <a:srgbClr val="777879"/>
                 </a:solidFill>
@@ -11872,17 +11435,17 @@
               <a:t> </a:t>
             </a:r>
             <a:r>
-              <a:rPr sz="1100" i="1" spc="-15" dirty="0">
+              <a:rPr lang="ja-jp" sz="1100" i="1" spc="-25" dirty="0">
                 <a:solidFill>
                   <a:srgbClr val="777879"/>
                 </a:solidFill>
                 <a:latin typeface="AdobeClean-LightIt"/>
                 <a:cs typeface="AdobeClean-LightIt"/>
               </a:rPr>
-              <a:t>Named</a:t>
-            </a:r>
-            <a:r>
-              <a:rPr sz="1100" i="1" spc="-55" dirty="0">
+              <a:t>또는</a:t>
+            </a:r>
+            <a:r>
+              <a:rPr lang="ja-jp" sz="1100" i="1" spc="-120" dirty="0">
                 <a:solidFill>
                   <a:srgbClr val="777879"/>
                 </a:solidFill>
@@ -11892,117 +11455,57 @@
               <a:t> </a:t>
             </a:r>
             <a:r>
-              <a:rPr sz="1100" i="1" spc="-25" dirty="0">
+              <a:rPr lang="ja-jp" sz="1100" i="1" spc="-20" dirty="0">
                 <a:solidFill>
                   <a:srgbClr val="777879"/>
                 </a:solidFill>
                 <a:latin typeface="AdobeClean-LightIt"/>
                 <a:cs typeface="AdobeClean-LightIt"/>
               </a:rPr>
-              <a:t>Account</a:t>
-            </a:r>
-            <a:r>
-              <a:rPr sz="1100" i="1" spc="-120" dirty="0">
+              <a:t>고객 </a:t>
+            </a:r>
+            <a:r>
+              <a:rPr lang="ja-jp" sz="1100" i="1" spc="-15" dirty="0">
                 <a:solidFill>
                   <a:srgbClr val="777879"/>
                 </a:solidFill>
                 <a:latin typeface="AdobeClean-LightIt"/>
                 <a:cs typeface="AdobeClean-LightIt"/>
               </a:rPr>
-              <a:t> </a:t>
-            </a:r>
-            <a:r>
-              <a:rPr sz="1100" i="1" spc="-20" dirty="0">
+              <a:t>성공 </a:t>
+            </a:r>
+            <a:r>
+              <a:rPr lang="ja-jp" sz="1100" i="1" spc="-10" dirty="0">
                 <a:solidFill>
                   <a:srgbClr val="777879"/>
                 </a:solidFill>
                 <a:latin typeface="AdobeClean-LightIt"/>
                 <a:cs typeface="AdobeClean-LightIt"/>
               </a:rPr>
-              <a:t>Manager </a:t>
-            </a:r>
-            <a:r>
-              <a:rPr sz="1100" i="1" spc="-15" dirty="0">
+              <a:t>관리자</a:t>
+            </a:r>
+            <a:r>
+              <a:rPr lang="ja-jp" sz="1100" i="1" spc="-15" dirty="0">
                 <a:solidFill>
                   <a:srgbClr val="777879"/>
                 </a:solidFill>
                 <a:latin typeface="AdobeClean-LightIt"/>
                 <a:cs typeface="AdobeClean-LightIt"/>
               </a:rPr>
-              <a:t>(NAM) </a:t>
-            </a:r>
-            <a:r>
-              <a:rPr sz="1100" i="1" spc="-10" dirty="0">
+              <a:t>(CSM)에게 </a:t>
+            </a:r>
+            <a:r>
+              <a:rPr lang="ja-jp" sz="1100" i="1" spc="-20" dirty="0">
                 <a:solidFill>
                   <a:srgbClr val="777879"/>
                 </a:solidFill>
                 <a:latin typeface="AdobeClean-LightIt"/>
                 <a:cs typeface="AdobeClean-LightIt"/>
               </a:rPr>
-              <a:t>or </a:t>
-            </a:r>
-            <a:r>
-              <a:rPr sz="1100" i="1" spc="-15" dirty="0">
-                <a:solidFill>
-                  <a:srgbClr val="777879"/>
-                </a:solidFill>
-                <a:latin typeface="AdobeClean-LightIt"/>
-                <a:cs typeface="AdobeClean-LightIt"/>
-              </a:rPr>
-              <a:t>Customer </a:t>
-            </a:r>
-            <a:r>
-              <a:rPr sz="1100" i="1" spc="-20" dirty="0">
-                <a:solidFill>
-                  <a:srgbClr val="777879"/>
-                </a:solidFill>
-                <a:latin typeface="AdobeClean-LightIt"/>
-                <a:cs typeface="AdobeClean-LightIt"/>
-              </a:rPr>
-              <a:t>Success</a:t>
-            </a:r>
-            <a:r>
-              <a:rPr sz="1100" i="1" spc="-180" dirty="0">
-                <a:solidFill>
-                  <a:srgbClr val="777879"/>
-                </a:solidFill>
-                <a:latin typeface="AdobeClean-LightIt"/>
-                <a:cs typeface="AdobeClean-LightIt"/>
-              </a:rPr>
-              <a:t> </a:t>
-            </a:r>
-            <a:r>
-              <a:rPr sz="1100" i="1" spc="-15" dirty="0">
-                <a:solidFill>
-                  <a:srgbClr val="777879"/>
-                </a:solidFill>
-                <a:latin typeface="AdobeClean-LightIt"/>
-                <a:cs typeface="AdobeClean-LightIt"/>
-              </a:rPr>
-              <a:t>Manager</a:t>
-            </a:r>
-            <a:r>
-              <a:rPr lang="en-US" sz="1100" i="1" spc="-15" dirty="0">
-                <a:solidFill>
-                  <a:srgbClr val="777879"/>
-                </a:solidFill>
-                <a:latin typeface="AdobeClean-LightIt"/>
-                <a:cs typeface="AdobeClean-LightIt"/>
-              </a:rPr>
-              <a:t> </a:t>
-            </a:r>
-            <a:r>
-              <a:rPr sz="1100" i="1" spc="-15" dirty="0">
-                <a:solidFill>
-                  <a:srgbClr val="777879"/>
-                </a:solidFill>
-                <a:latin typeface="AdobeClean-LightIt"/>
-                <a:cs typeface="AdobeClean-LightIt"/>
-              </a:rPr>
-              <a:t>(CSM)</a:t>
-            </a:r>
-            <a:r>
-              <a:rPr lang="en-US" sz="1100" i="1" spc="-15" dirty="0">
+              <a:t>문의하십시오</a:t>
+            </a:r>
+            <a:r>
+              <a:rPr lang="ja-jp" sz="1100" i="1" spc="-15" dirty="0">
                 <a:solidFill>
                   <a:srgbClr val="777879"/>
                 </a:solidFill>
@@ -12026,37 +11529,17 @@
               </a:spcBef>
             </a:pPr>
             <a:r>
-              <a:rPr sz="800" spc="-5" dirty="0">
+              <a:rPr lang="ja-jp" sz="800" spc="-5" dirty="0">
                 <a:solidFill>
                   <a:srgbClr val="6D6D6D"/>
                 </a:solidFill>
                 <a:latin typeface="Adobe Clean"/>
                 <a:cs typeface="Adobe Clean"/>
               </a:rPr>
-              <a:t>©202</a:t>
-            </a:r>
-            <a:r>
-              <a:rPr lang="en-US" sz="800" spc="-5" dirty="0">
-                <a:solidFill>
-                  <a:srgbClr val="6D6D6D"/>
-                </a:solidFill>
-                <a:latin typeface="Adobe Clean"/>
-                <a:cs typeface="Adobe Clean"/>
-              </a:rPr>
-              <a:t>2 </a:t>
-            </a:r>
-            <a:r>
-              <a:rPr sz="800" spc="-5" dirty="0">
-                <a:solidFill>
-                  <a:srgbClr val="6D6D6D"/>
-                </a:solidFill>
-                <a:latin typeface="Adobe Clean"/>
-                <a:cs typeface="Adobe Clean"/>
-              </a:rPr>
-              <a:t>Adobe. All Rights Reserved. Adobe</a:t>
-            </a:r>
-            <a:r>
-              <a:rPr sz="800" spc="75" dirty="0">
+              <a:t>©2022 Adobe.All Rights Reserved.Adobe</a:t>
+            </a:r>
+            <a:r>
+              <a:rPr lang="ja-jp" sz="800" spc="75" dirty="0">
                 <a:solidFill>
                   <a:srgbClr val="6D6D6D"/>
                 </a:solidFill>
@@ -12066,14 +11549,14 @@
               <a:t> </a:t>
             </a:r>
             <a:r>
-              <a:rPr sz="800" spc="-5" dirty="0">
+              <a:rPr lang="ja-jp" sz="800" spc="-5" dirty="0">
                 <a:solidFill>
                   <a:srgbClr val="6D6D6D"/>
                 </a:solidFill>
                 <a:latin typeface="Adobe Clean"/>
                 <a:cs typeface="Adobe Clean"/>
               </a:rPr>
-              <a:t>Confidential.</a:t>
+              <a:t>기밀.</a:t>
             </a:r>
             <a:endParaRPr sz="800" dirty="0">
               <a:latin typeface="Adobe Clean"/>
@@ -12115,14 +11598,14 @@
               </a:spcBef>
             </a:pPr>
             <a:r>
-              <a:rPr lang="en-US" sz="1400" b="1" spc="-15" dirty="0">
+              <a:rPr lang="ja-jp" sz="1400" b="1" spc="-15" dirty="0">
                 <a:solidFill>
                   <a:srgbClr val="020302"/>
                 </a:solidFill>
                 <a:latin typeface="Adobe Clean"/>
                 <a:cs typeface="Adobe Clean"/>
               </a:rPr>
-              <a:t>Core Regional Hours Of Operation And Language Support</a:t>
+              <a:t>주요 지역별 운영 시간 및 언어 지원</a:t>
             </a:r>
           </a:p>
           <a:p>
@@ -12132,13 +11615,13 @@
               </a:spcBef>
             </a:pPr>
             <a:r>
-              <a:rPr lang="en-US" sz="1000" spc="-15" dirty="0">
+              <a:rPr lang="ja-jp" sz="1000" spc="-15" dirty="0">
                 <a:solidFill>
                   <a:srgbClr val="1F1F1F"/>
                 </a:solidFill>
                 <a:latin typeface="AdobeClean-Light"/>
               </a:rPr>
-              <a:t>Adobe’s local business hours align to the customer’s billing region.</a:t>
+              <a:t>Adobe의 현지 업무 시간은 고객의 과금 지역에 맞춰 조정됩니다.</a:t>
             </a:r>
           </a:p>
         </p:txBody>
@@ -12165,7 +11648,7 @@
         </p:nvGraphicFramePr>
         <p:xfrm>
           <a:off x="171128" y="5586349"/>
-          <a:ext cx="7391400" cy="1280160"/>
+          <a:ext cx="7391400" cy="1112520"/>
         </p:xfrm>
         <a:graphic>
           <a:graphicData uri="http://schemas.openxmlformats.org/drawingml/2006/table">
@@ -12211,16 +11694,16 @@
                     <a:p>
                       <a:pPr algn="ctr"/>
                       <a:r>
-                        <a:rPr lang="en-US" sz="1100" dirty="0">
+                        <a:rPr lang="ja-jp" sz="1100" dirty="0">
                           <a:solidFill>
                             <a:schemeClr val="tx1"/>
                           </a:solidFill>
                           <a:latin typeface="Adobe Clean" panose="020B0503020404020204" pitchFamily="34" charset="0"/>
                         </a:rPr>
-                        <a:t>Americas </a:t>
+                        <a:t>미주 </a:t>
                       </a:r>
                       <a:r>
-                        <a:rPr lang="en-US" sz="1100" baseline="30000" dirty="0">
+                        <a:rPr lang="ja-jp" sz="1100" baseline="30000" dirty="0">
                           <a:solidFill>
                             <a:schemeClr val="tx1"/>
                           </a:solidFill>
@@ -12285,13 +11768,13 @@
                     <a:p>
                       <a:pPr algn="ctr"/>
                       <a:r>
-                        <a:rPr lang="en-US" sz="1100" dirty="0">
+                        <a:rPr lang="ja-jp" sz="1100" dirty="0">
                           <a:solidFill>
                             <a:schemeClr val="tx1"/>
                           </a:solidFill>
                           <a:latin typeface="Adobe Clean" panose="020B0503020404020204" pitchFamily="34" charset="0"/>
                         </a:rPr>
-                        <a:t>Europe, Middle East &amp; Africa</a:t>
+                        <a:t>유럽, 중동 및 아프리카</a:t>
                       </a:r>
                     </a:p>
                   </a:txBody>
@@ -12350,13 +11833,13 @@
                     <a:p>
                       <a:pPr algn="ctr"/>
                       <a:r>
-                        <a:rPr lang="en-US" sz="1100" dirty="0">
+                        <a:rPr lang="ja-jp" sz="1100" dirty="0">
                           <a:solidFill>
                             <a:schemeClr val="tx1"/>
                           </a:solidFill>
                           <a:latin typeface="Adobe Clean" panose="020B0503020404020204" pitchFamily="34" charset="0"/>
                         </a:rPr>
-                        <a:t>Asia Pacific</a:t>
+                        <a:t>아시아 태평양</a:t>
                       </a:r>
                     </a:p>
                   </a:txBody>
@@ -12415,13 +11898,13 @@
                     <a:p>
                       <a:pPr algn="ctr"/>
                       <a:r>
-                        <a:rPr lang="en-US" sz="1100" dirty="0">
+                        <a:rPr lang="ja-jp" sz="1100" dirty="0">
                           <a:solidFill>
                             <a:schemeClr val="tx1"/>
                           </a:solidFill>
                           <a:latin typeface="Adobe Clean" panose="020B0503020404020204" pitchFamily="34" charset="0"/>
                         </a:rPr>
-                        <a:t>Japan </a:t>
+                        <a:t>일본</a:t>
                       </a:r>
                     </a:p>
                   </a:txBody>
@@ -12487,7 +11970,7 @@
                     <a:p>
                       <a:pPr algn="ctr"/>
                       <a:r>
-                        <a:rPr lang="en-US" sz="1100" dirty="0">
+                        <a:rPr lang="ja-jp" sz="1100" dirty="0">
                           <a:solidFill>
                             <a:schemeClr val="tx1"/>
                           </a:solidFill>
@@ -12552,13 +12035,13 @@
                     <a:p>
                       <a:pPr algn="ctr"/>
                       <a:r>
-                        <a:rPr lang="en-US" sz="1100" dirty="0">
+                        <a:rPr lang="ja-jp" sz="1100" dirty="0">
                           <a:solidFill>
                             <a:schemeClr val="tx1"/>
                           </a:solidFill>
                           <a:latin typeface="Adobe Clean" panose="020B0503020404020204" pitchFamily="34" charset="0"/>
                         </a:rPr>
-                        <a:t>9 am – 5 pm</a:t>
+                        <a:t>오전 9시~오후 5시</a:t>
                       </a:r>
                     </a:p>
                   </a:txBody>
@@ -12617,13 +12100,13 @@
                     <a:p>
                       <a:pPr algn="ctr"/>
                       <a:r>
-                        <a:rPr lang="en-US" sz="1100" dirty="0">
+                        <a:rPr lang="ja-jp" sz="1100" dirty="0">
                           <a:solidFill>
                             <a:schemeClr val="tx1"/>
                           </a:solidFill>
                           <a:latin typeface="Adobe Clean" panose="020B0503020404020204" pitchFamily="34" charset="0"/>
                         </a:rPr>
-                        <a:t>9 am – 5 pm</a:t>
+                        <a:t>오전 9시~오후 5시</a:t>
                       </a:r>
                     </a:p>
                   </a:txBody>
@@ -12682,13 +12165,13 @@
                     <a:p>
                       <a:pPr algn="ctr"/>
                       <a:r>
-                        <a:rPr lang="en-US" sz="1100" dirty="0">
+                        <a:rPr lang="ja-jp" sz="1100" dirty="0">
                           <a:solidFill>
                             <a:schemeClr val="tx1"/>
                           </a:solidFill>
                           <a:latin typeface="Adobe Clean" panose="020B0503020404020204" pitchFamily="34" charset="0"/>
                         </a:rPr>
-                        <a:t>9 am – 5:30 pm</a:t>
+                        <a:t>오전 9시~오후 5시 30분</a:t>
                       </a:r>
                     </a:p>
                   </a:txBody>
@@ -12795,7 +12278,7 @@
                         <a:defRPr/>
                       </a:pPr>
                       <a:r>
-                        <a:rPr lang="en-US" sz="1100" baseline="30000" dirty="0">
+                        <a:rPr lang="ja-jp" sz="1100" baseline="30000" dirty="0">
                           <a:solidFill>
                             <a:schemeClr val="tx1"/>
                           </a:solidFill>
@@ -12804,13 +12287,13 @@
                         <a:t>1</a:t>
                       </a:r>
                       <a:r>
-                        <a:rPr lang="en-US" sz="1100" dirty="0">
+                        <a:rPr lang="ja-jp" sz="1100" dirty="0">
                           <a:solidFill>
                             <a:schemeClr val="tx1"/>
                           </a:solidFill>
                           <a:latin typeface="Adobe Clean" panose="020B0503020404020204" pitchFamily="34" charset="0"/>
                         </a:rPr>
-                        <a:t>Americas Language support available in English only.</a:t>
+                        <a:t>미주 언어 지원은 영어로만 제공됩니다.</a:t>
                       </a:r>
                       <a:endParaRPr kumimoji="0" lang="en-US" sz="1100" b="1" i="0" u="none" strike="noStrike" kern="0" cap="none" spc="0" normalizeH="0" baseline="30000" noProof="0" dirty="0">
                         <a:ln>
@@ -13189,7 +12672,7 @@
           </a:bodyPr>
           <a:lstStyle/>
           <a:p>
-            <a:pPr marL="139065" marR="5080" indent="-139065">
+            <a:pPr marL="15875" marR="5080" algn="ctr">
               <a:lnSpc>
                 <a:spcPts val="1390"/>
               </a:lnSpc>
@@ -13198,124 +12681,63 @@
               </a:spcBef>
             </a:pPr>
             <a:r>
-              <a:rPr sz="1200" b="1" spc="-15" dirty="0">
+              <a:rPr lang="ja-jp" sz="1200" b="1" spc="-15" dirty="0">
                 <a:solidFill>
                   <a:srgbClr val="FFFFFF"/>
                 </a:solidFill>
                 <a:latin typeface="Adobe Clean"/>
                 <a:cs typeface="Adobe Clean"/>
               </a:rPr>
-              <a:t>U</a:t>
-            </a:r>
-            <a:r>
-              <a:rPr sz="1200" b="1" spc="-20" dirty="0">
+              <a:t>탁월</a:t>
+            </a:r>
+            <a:r>
+              <a:rPr lang="ja-jp" sz="1200" b="1" spc="-15">
                 <a:solidFill>
                   <a:srgbClr val="FFFFFF"/>
                 </a:solidFill>
                 <a:latin typeface="Adobe Clean"/>
                 <a:cs typeface="Adobe Clean"/>
               </a:rPr>
-              <a:t>n</a:t>
-            </a:r>
-            <a:r>
-              <a:rPr sz="1200" b="1" spc="-25" dirty="0">
+              <a:t>한</a:t>
+            </a:r>
+            <a:r>
+              <a:rPr lang="ja-jp" sz="1200" b="1">
                 <a:solidFill>
                   <a:srgbClr val="FFFFFF"/>
                 </a:solidFill>
                 <a:latin typeface="Adobe Clean"/>
                 <a:cs typeface="Adobe Clean"/>
               </a:rPr>
-              <a:t>p</a:t>
-            </a:r>
-            <a:r>
-              <a:rPr sz="1200" b="1" spc="-15" dirty="0">
+              <a:t> </a:t>
+            </a:r>
+            <a:br>
+              <a:rPr lang="en-US" altLang="ja-JP" sz="1200" b="1" dirty="0">
                 <a:solidFill>
                   <a:srgbClr val="FFFFFF"/>
                 </a:solidFill>
                 <a:latin typeface="Adobe Clean"/>
                 <a:cs typeface="Adobe Clean"/>
               </a:rPr>
-              <a:t>a</a:t>
-            </a:r>
-            <a:r>
-              <a:rPr sz="1200" b="1" spc="-25" dirty="0">
+            </a:br>
+            <a:r>
+              <a:rPr lang="ja-jp" sz="1200" b="1" spc="-25">
                 <a:solidFill>
                   <a:srgbClr val="FFFFFF"/>
                 </a:solidFill>
                 <a:latin typeface="Adobe Clean"/>
                 <a:cs typeface="Adobe Clean"/>
               </a:rPr>
-              <a:t>r</a:t>
-            </a:r>
-            <a:r>
-              <a:rPr sz="1200" b="1" spc="-15" dirty="0">
+              <a:t>전</a:t>
+            </a:r>
+            <a:r>
+              <a:rPr lang="ja-jp" sz="1200" b="1" spc="-25" dirty="0">
                 <a:solidFill>
                   <a:srgbClr val="FFFFFF"/>
                 </a:solidFill>
                 <a:latin typeface="Adobe Clean"/>
                 <a:cs typeface="Adobe Clean"/>
               </a:rPr>
-              <a:t>a</a:t>
-            </a:r>
-            <a:r>
-              <a:rPr sz="1200" b="1" spc="-30" dirty="0">
-                <a:solidFill>
-                  <a:srgbClr val="FFFFFF"/>
-                </a:solidFill>
-                <a:latin typeface="Adobe Clean"/>
-                <a:cs typeface="Adobe Clean"/>
-              </a:rPr>
-              <a:t>ll</a:t>
-            </a:r>
-            <a:r>
-              <a:rPr sz="1200" b="1" spc="-25" dirty="0">
-                <a:solidFill>
-                  <a:srgbClr val="FFFFFF"/>
-                </a:solidFill>
-                <a:latin typeface="Adobe Clean"/>
-                <a:cs typeface="Adobe Clean"/>
-              </a:rPr>
-              <a:t>e</a:t>
-            </a:r>
-            <a:r>
-              <a:rPr sz="1200" b="1" spc="-30" dirty="0">
-                <a:solidFill>
-                  <a:srgbClr val="FFFFFF"/>
-                </a:solidFill>
-                <a:latin typeface="Adobe Clean"/>
-                <a:cs typeface="Adobe Clean"/>
-              </a:rPr>
-              <a:t>l</a:t>
-            </a:r>
-            <a:r>
-              <a:rPr sz="1200" b="1" spc="-25" dirty="0">
-                <a:solidFill>
-                  <a:srgbClr val="FFFFFF"/>
-                </a:solidFill>
-                <a:latin typeface="Adobe Clean"/>
-                <a:cs typeface="Adobe Clean"/>
-              </a:rPr>
-              <a:t>e</a:t>
-            </a:r>
-            <a:r>
-              <a:rPr sz="1200" b="1" dirty="0">
-                <a:solidFill>
-                  <a:srgbClr val="FFFFFF"/>
-                </a:solidFill>
-                <a:latin typeface="Adobe Clean"/>
-                <a:cs typeface="Adobe Clean"/>
-              </a:rPr>
-              <a:t>d  </a:t>
-            </a:r>
-            <a:r>
-              <a:rPr sz="1200" b="1" spc="-25" dirty="0">
-                <a:solidFill>
-                  <a:srgbClr val="FFFFFF"/>
-                </a:solidFill>
-                <a:latin typeface="Adobe Clean"/>
-                <a:cs typeface="Adobe Clean"/>
-              </a:rPr>
-              <a:t>Expertise</a:t>
+              <a:t>문성</a:t>
             </a:r>
             <a:endParaRPr sz="1200" dirty="0">
               <a:latin typeface="Adobe Clean"/>
@@ -13339,7 +12761,7 @@
         <p:spPr>
           <a:xfrm>
             <a:off x="4732495" y="8541244"/>
-            <a:ext cx="810895" cy="382797"/>
+            <a:ext cx="810895" cy="203261"/>
           </a:xfrm>
           <a:prstGeom prst="rect">
             <a:avLst/>
@@ -13351,7 +12773,7 @@
           </a:bodyPr>
           <a:lstStyle/>
           <a:p>
-            <a:pPr marL="139065" marR="5080" indent="-139065">
+            <a:pPr marL="139065" marR="5080" indent="-139065" algn="ctr">
               <a:lnSpc>
                 <a:spcPts val="1390"/>
               </a:lnSpc>
@@ -13360,14 +12782,14 @@
               </a:spcBef>
             </a:pPr>
             <a:r>
-              <a:rPr lang="en-US" sz="1200" b="1" spc="-15" dirty="0">
+              <a:rPr lang="ja-jp" sz="1200" b="1" spc="-15" dirty="0">
                 <a:solidFill>
                   <a:srgbClr val="FFFFFF"/>
                 </a:solidFill>
                 <a:latin typeface="Adobe Clean"/>
                 <a:cs typeface="Adobe Clean"/>
               </a:rPr>
-              <a:t>Accelerated Support</a:t>
+              <a:t>신속한 지원</a:t>
             </a:r>
             <a:endParaRPr sz="1200" dirty="0">
               <a:latin typeface="Adobe Clean"/>
@@ -13403,7 +12825,7 @@
           </a:bodyPr>
           <a:lstStyle/>
           <a:p>
-            <a:pPr marL="50800" marR="5080" indent="-51435">
+            <a:pPr marL="15875" marR="5080" indent="-15875" algn="ctr">
               <a:lnSpc>
                 <a:spcPts val="1390"/>
               </a:lnSpc>
@@ -13412,104 +12834,34 @@
               </a:spcBef>
             </a:pPr>
             <a:r>
-              <a:rPr sz="1200" b="1" spc="-50" dirty="0">
+              <a:rPr lang="ja-jp" sz="1200" b="1" spc="-50" dirty="0">
                 <a:solidFill>
                   <a:srgbClr val="FFFFFF"/>
                 </a:solidFill>
                 <a:latin typeface="Adobe Clean"/>
                 <a:cs typeface="Adobe Clean"/>
               </a:rPr>
-              <a:t>S</a:t>
-            </a:r>
-            <a:r>
-              <a:rPr sz="1200" b="1" spc="-20" dirty="0">
+              <a:t>전략적</a:t>
+            </a:r>
+            <a:r>
+              <a:rPr lang="ja-jp" sz="1200" b="1" dirty="0">
                 <a:solidFill>
                   <a:srgbClr val="FFFFFF"/>
                 </a:solidFill>
                 <a:latin typeface="Adobe Clean"/>
                 <a:cs typeface="Adobe Clean"/>
               </a:rPr>
-              <a:t>t</a:t>
-            </a:r>
-            <a:r>
-              <a:rPr sz="1200" b="1" spc="-75" dirty="0">
+              <a:t> </a:t>
+            </a:r>
+            <a:r>
+              <a:rPr lang="ja-jp" sz="1200" b="1" spc="-45" dirty="0">
                 <a:solidFill>
                   <a:srgbClr val="FFFFFF"/>
                 </a:solidFill>
                 <a:latin typeface="Adobe Clean"/>
                 <a:cs typeface="Adobe Clean"/>
               </a:rPr>
-              <a:t>r</a:t>
-            </a:r>
-            <a:r>
-              <a:rPr sz="1200" b="1" spc="-90" dirty="0">
-                <a:solidFill>
-                  <a:srgbClr val="FFFFFF"/>
-                </a:solidFill>
-                <a:latin typeface="Adobe Clean"/>
-                <a:cs typeface="Adobe Clean"/>
-              </a:rPr>
-              <a:t>a</a:t>
-            </a:r>
-            <a:r>
-              <a:rPr sz="1200" b="1" spc="-55" dirty="0">
-                <a:solidFill>
-                  <a:srgbClr val="FFFFFF"/>
-                </a:solidFill>
-                <a:latin typeface="Adobe Clean"/>
-                <a:cs typeface="Adobe Clean"/>
-              </a:rPr>
-              <a:t>t</a:t>
-            </a:r>
-            <a:r>
-              <a:rPr sz="1200" b="1" spc="-100" dirty="0">
-                <a:solidFill>
-                  <a:srgbClr val="FFFFFF"/>
-                </a:solidFill>
-                <a:latin typeface="Adobe Clean"/>
-                <a:cs typeface="Adobe Clean"/>
-              </a:rPr>
-              <a:t>e</a:t>
-            </a:r>
-            <a:r>
-              <a:rPr sz="1200" b="1" spc="-80" dirty="0">
-                <a:solidFill>
-                  <a:srgbClr val="FFFFFF"/>
-                </a:solidFill>
-                <a:latin typeface="Adobe Clean"/>
-                <a:cs typeface="Adobe Clean"/>
-              </a:rPr>
-              <a:t>g</a:t>
-            </a:r>
-            <a:r>
-              <a:rPr sz="1200" b="1" spc="-35" dirty="0">
-                <a:solidFill>
-                  <a:srgbClr val="FFFFFF"/>
-                </a:solidFill>
-                <a:latin typeface="Adobe Clean"/>
-                <a:cs typeface="Adobe Clean"/>
-              </a:rPr>
-              <a:t>i</a:t>
-            </a:r>
-            <a:r>
-              <a:rPr sz="1200" b="1" dirty="0">
-                <a:solidFill>
-                  <a:srgbClr val="FFFFFF"/>
-                </a:solidFill>
-                <a:latin typeface="Adobe Clean"/>
-                <a:cs typeface="Adobe Clean"/>
-              </a:rPr>
-              <a:t>c  </a:t>
-            </a:r>
-            <a:r>
-              <a:rPr sz="1200" b="1" spc="-45" dirty="0">
-                <a:solidFill>
-                  <a:srgbClr val="FFFFFF"/>
-                </a:solidFill>
-                <a:latin typeface="Adobe Clean"/>
-                <a:cs typeface="Adobe Clean"/>
-              </a:rPr>
-              <a:t>Advice</a:t>
+              <a:t>조언</a:t>
             </a:r>
             <a:endParaRPr sz="1200" dirty="0">
               <a:latin typeface="Adobe Clean"/>
@@ -13520,7 +12872,7 @@
       </p:sp>
       <p:pic>
         <p:nvPicPr>
-          <p:cNvPr id="8" name="Graphic 7" descr="Target outline">
+          <p:cNvPr id="8" name="Graphic 7" descr="타겟 개요">
             <a:extLst>
               <a:ext uri="{FF2B5EF4-FFF2-40B4-BE49-F238E27FC236}">
                 <a16:creationId xmlns:a16="http://schemas.microsoft.com/office/drawing/2014/main" id="{1EAA263E-04A7-0D46-952E-EA3033B45116}"/>
@@ -13559,7 +12911,7 @@
       </p:pic>
       <p:pic>
         <p:nvPicPr>
-          <p:cNvPr id="10" name="Graphic 9" descr="Rocket outline">
+          <p:cNvPr id="10" name="Graphic 9" descr="로켓 개요">
             <a:extLst>
               <a:ext uri="{FF2B5EF4-FFF2-40B4-BE49-F238E27FC236}">
                 <a16:creationId xmlns:a16="http://schemas.microsoft.com/office/drawing/2014/main" id="{A068EBC3-B418-4E4A-A520-101CA4B39F23}"/>
@@ -13598,7 +12950,7 @@
       </p:pic>
       <p:pic>
         <p:nvPicPr>
-          <p:cNvPr id="12" name="Graphic 11" descr="Medal outline">
+          <p:cNvPr id="12" name="Graphic 11" descr="메달 개요">
             <a:extLst>
               <a:ext uri="{FF2B5EF4-FFF2-40B4-BE49-F238E27FC236}">
                 <a16:creationId xmlns:a16="http://schemas.microsoft.com/office/drawing/2014/main" id="{C7BEFC2D-0CA6-0448-B9FA-6E1581CA6D36}"/>
@@ -13691,7 +13043,7 @@
                         <a:tabLst/>
                       </a:pPr>
                       <a:r>
-                        <a:rPr lang="en-US" sz="1200" b="0" strike="noStrike" dirty="0">
+                        <a:rPr lang="ja-jp" sz="1200" b="0" strike="noStrike" dirty="0">
                           <a:solidFill>
                             <a:srgbClr val="5F5F5F"/>
                           </a:solidFill>
@@ -13789,7 +13141,7 @@
                         <a:defRPr/>
                       </a:pPr>
                       <a:r>
-                        <a:rPr lang="en-US" sz="1000" b="0" strike="noStrike" kern="1200" dirty="0">
+                        <a:rPr lang="ja-jp" sz="1000" b="0" strike="noStrike" kern="1200" dirty="0">
                           <a:solidFill>
                             <a:schemeClr val="tx1"/>
                           </a:solidFill>
@@ -13797,7 +13149,7 @@
                           <a:ea typeface="+mn-ea"/>
                           <a:cs typeface="+mn-cs"/>
                         </a:rPr>
-                        <a:t>Experience League is a place where Adobe customers can find self-help tutorials, product documentation, instructor-led training, community and support for select Adobe Creative Cloud and Document products.</a:t>
+                        <a:t>Experience League는 Adobe 고객이 Adobe Creative Cloud 및 Document Cloud 제품 선택에 대한 자가 진단 튜토리얼, 제품 설명서, 강의식 교육, 커뮤니티 및 기술 지원을 찾을 수 있는 공간입니다.</a:t>
                       </a:r>
                     </a:p>
                   </a:txBody>
@@ -13879,7 +13231,7 @@
                         <a:defRPr/>
                       </a:pPr>
                       <a:r>
-                        <a:rPr lang="en-US" sz="1200" strike="noStrike" dirty="0">
+                        <a:rPr lang="ja-jp" sz="1200" strike="noStrike" dirty="0">
                           <a:solidFill>
                             <a:srgbClr val="5F5F5F"/>
                           </a:solidFill>
@@ -13895,7 +13247,7 @@
                             </a:extLst>
                           </a:hlinkClick>
                         </a:rPr>
-                        <a:t>Adobe Support Community </a:t>
+                        <a:t>Adobe 지원 커뮤니티 </a:t>
                       </a:r>
                       <a:endParaRPr lang="en-US" sz="1200" strike="noStrike" dirty="0">
                         <a:solidFill>
@@ -13979,7 +13331,7 @@
                         <a:defRPr/>
                       </a:pPr>
                       <a:r>
-                        <a:rPr lang="en-US" sz="1000" strike="noStrike" kern="1200" dirty="0">
+                        <a:rPr lang="ja-jp" sz="1000" strike="noStrike" kern="1200" dirty="0">
                           <a:solidFill>
                             <a:schemeClr val="tx1"/>
                           </a:solidFill>
@@ -13987,7 +13339,7 @@
                           <a:ea typeface="+mn-ea"/>
                           <a:cs typeface="+mn-cs"/>
                         </a:rPr>
-                        <a:t>The Adobe Support Community is the place to ask questions, find answers, learn from experts and share your knowledge.</a:t>
+                        <a:t>Adobe 지원 커뮤니티는 질문을 묻고, 답변을 얻고, 전문가의 의견을 구하고, 지식을 공유할 수 있는 공간입니다.</a:t>
                       </a:r>
                       <a:endParaRPr lang="en-US" sz="1000" strike="noStrike" kern="1200" dirty="0">
                         <a:solidFill>
@@ -14080,7 +13432,7 @@
                         <a:defRPr/>
                       </a:pPr>
                       <a:r>
-                        <a:rPr lang="en-US" sz="1200" dirty="0">
+                        <a:rPr lang="ja-jp" sz="1200" dirty="0">
                           <a:solidFill>
                             <a:srgbClr val="5F5F5F"/>
                           </a:solidFill>
@@ -14096,7 +13448,7 @@
                             </a:extLst>
                           </a:hlinkClick>
                         </a:rPr>
-                        <a:t>Production Issues &amp; System Outages</a:t>
+                        <a:t>생산 문제 및 시스템 중단</a:t>
                       </a:r>
                       <a:endParaRPr lang="en-US" sz="1200" dirty="0">
                         <a:solidFill>
@@ -14180,7 +13532,7 @@
                         <a:defRPr/>
                       </a:pPr>
                       <a:r>
-                        <a:rPr lang="en-US" sz="1000" kern="1200" dirty="0">
+                        <a:rPr lang="ja-jp" sz="1000" kern="1200" dirty="0">
                           <a:solidFill>
                             <a:schemeClr val="tx1"/>
                           </a:solidFill>
@@ -14188,7 +13540,7 @@
                           <a:ea typeface="+mn-ea"/>
                           <a:cs typeface="+mn-cs"/>
                         </a:rPr>
-                        <a:t>Status.adobe.com conveys the health information of all Adobe products and services that are deployed in multi-tenant environments. Customers can choose their subscription preferences to get email notifications whenever Adobe creates, updates or resolves a product event. This can include scheduled maintenance or service issues of varying levels of severity. </a:t>
+                        <a:t>Status.adobe.com은 다중 테넌트 환경에 배포된 모든 Adobe 제품 및 서비스의 상태 정보를 전달합니다.고객은 구독 기본 설정을 선택하여 Adobe가 제품 이벤트를 생성 업데이트 또는 해결할 때마다 이메일 알림을 받을 수 있습니다.여기에는 예정된 유지 관리 또는 다양한 심각도 수준의 서비스 문제가 포함될 수 있습니다.</a:t>
                       </a:r>
                     </a:p>
                   </a:txBody>
@@ -14270,7 +13622,7 @@
                         <a:defRPr/>
                       </a:pPr>
                       <a:r>
-                        <a:rPr lang="en-US" sz="1200" dirty="0">
+                        <a:rPr lang="ja-jp" sz="1200" dirty="0">
                           <a:solidFill>
                             <a:srgbClr val="5F5F5F"/>
                           </a:solidFill>
@@ -14286,7 +13638,7 @@
                             </a:extLst>
                           </a:hlinkClick>
                         </a:rPr>
-                        <a:t>Terms and Conditions</a:t>
+                        <a:t>약관</a:t>
                       </a:r>
                       <a:endParaRPr lang="en-US" sz="1200" dirty="0">
                         <a:solidFill>
@@ -14353,7 +13705,7 @@
                     <a:lstStyle/>
                     <a:p>
                       <a:r>
-                        <a:rPr lang="en-US" sz="1000" kern="1200" dirty="0">
+                        <a:rPr lang="ja-jp" sz="1000" kern="1200" dirty="0">
                           <a:solidFill>
                             <a:schemeClr val="tx1"/>
                           </a:solidFill>
@@ -14361,7 +13713,7 @@
                           <a:ea typeface="+mn-ea"/>
                           <a:cs typeface="+mn-cs"/>
                         </a:rPr>
-                        <a:t>Terms and conditions detailing Support Services offerings.</a:t>
+                        <a:t>지원 서비스 제공 사항을 자세히 설명하는 약관입니다.</a:t>
                       </a:r>
                     </a:p>
                   </a:txBody>
@@ -15063,9 +14415,12 @@
 </file>
 
 <file path=customXml/item1.xml><?xml version="1.0" encoding="utf-8"?>
-<p:properties xmlns:p="http://schemas.microsoft.com/office/2006/metadata/properties" xmlns:xsi="http://www.w3.org/2001/XMLSchema-instance" xmlns:pc="http://schemas.microsoft.com/office/infopath/2007/PartnerControls">
-  <documentManagement/>
-</p:properties>
+<?mso-contentType ?>
+<FormTemplates xmlns="http://schemas.microsoft.com/sharepoint/v3/contenttype/forms">
+  <Display>DocumentLibraryForm</Display>
+  <Edit>DocumentLibraryForm</Edit>
+  <New>DocumentLibraryForm</New>
+</FormTemplates>
 </file>
 
 <file path=customXml/item2.xml><?xml version="1.0" encoding="utf-8"?>
@@ -15286,27 +14641,15 @@
 </file>
 
 <file path=customXml/item3.xml><?xml version="1.0" encoding="utf-8"?>
-<?mso-contentType ?>
-<FormTemplates xmlns="http://schemas.microsoft.com/sharepoint/v3/contenttype/forms">
-  <Display>DocumentLibraryForm</Display>
-  <Edit>DocumentLibraryForm</Edit>
-  <New>DocumentLibraryForm</New>
-</FormTemplates>
+<p:properties xmlns:p="http://schemas.microsoft.com/office/2006/metadata/properties" xmlns:xsi="http://www.w3.org/2001/XMLSchema-instance" xmlns:pc="http://schemas.microsoft.com/office/infopath/2007/PartnerControls">
+  <documentManagement/>
+</p:properties>
 </file>
 
 <file path=customXml/itemProps1.xml><?xml version="1.0" encoding="utf-8"?>
-<ds:datastoreItem xmlns:ds="http://schemas.openxmlformats.org/officeDocument/2006/customXml" ds:itemID="{8D12BD98-169B-4BEE-86DF-4C9641DF23C4}">
+<ds:datastoreItem xmlns:ds="http://schemas.openxmlformats.org/officeDocument/2006/customXml" ds:itemID="{AC92E7FA-19A2-4675-9C77-2C92D8A268D1}">
   <ds:schemaRefs>
-    <ds:schemaRef ds:uri="01e63850-2818-4a9f-a0cd-2d4201ad5cd5"/>
-    <ds:schemaRef ds:uri="http://schemas.microsoft.com/office/2006/documentManagement/types"/>
-    <ds:schemaRef ds:uri="http://purl.org/dc/elements/1.1/"/>
-    <ds:schemaRef ds:uri="http://purl.org/dc/terms/"/>
-    <ds:schemaRef ds:uri="http://schemas.microsoft.com/office/infopath/2007/PartnerControls"/>
-    <ds:schemaRef ds:uri="http://schemas.microsoft.com/office/2006/metadata/properties"/>
-    <ds:schemaRef ds:uri="http://schemas.openxmlformats.org/package/2006/metadata/core-properties"/>
-    <ds:schemaRef ds:uri="281057cd-4f7e-4aa3-94a7-05201549cd15"/>
-    <ds:schemaRef ds:uri="http://www.w3.org/XML/1998/namespace"/>
-    <ds:schemaRef ds:uri="http://purl.org/dc/dcmitype/"/>
+    <ds:schemaRef ds:uri="http://schemas.microsoft.com/sharepoint/v3/contenttype/forms"/>
   </ds:schemaRefs>
 </ds:datastoreItem>
 </file>
@@ -15331,9 +14674,18 @@
 </file>
 
 <file path=customXml/itemProps3.xml><?xml version="1.0" encoding="utf-8"?>
-<ds:datastoreItem xmlns:ds="http://schemas.openxmlformats.org/officeDocument/2006/customXml" ds:itemID="{AC92E7FA-19A2-4675-9C77-2C92D8A268D1}">
+<ds:datastoreItem xmlns:ds="http://schemas.openxmlformats.org/officeDocument/2006/customXml" ds:itemID="{8D12BD98-169B-4BEE-86DF-4C9641DF23C4}">
   <ds:schemaRefs>
-    <ds:schemaRef ds:uri="http://schemas.microsoft.com/sharepoint/v3/contenttype/forms"/>
+    <ds:schemaRef ds:uri="01e63850-2818-4a9f-a0cd-2d4201ad5cd5"/>
+    <ds:schemaRef ds:uri="http://schemas.microsoft.com/office/2006/documentManagement/types"/>
+    <ds:schemaRef ds:uri="http://purl.org/dc/elements/1.1/"/>
+    <ds:schemaRef ds:uri="http://purl.org/dc/terms/"/>
+    <ds:schemaRef ds:uri="http://schemas.microsoft.com/office/infopath/2007/PartnerControls"/>
+    <ds:schemaRef ds:uri="http://schemas.microsoft.com/office/2006/metadata/properties"/>
+    <ds:schemaRef ds:uri="http://schemas.openxmlformats.org/package/2006/metadata/core-properties"/>
+    <ds:schemaRef ds:uri="281057cd-4f7e-4aa3-94a7-05201549cd15"/>
+    <ds:schemaRef ds:uri="http://www.w3.org/XML/1998/namespace"/>
+    <ds:schemaRef ds:uri="http://purl.org/dc/dcmitype/"/>
   </ds:schemaRefs>
 </ds:datastoreItem>
 </file>